--- a/AI bot.pptx
+++ b/AI bot.pptx
@@ -7,20 +7,21 @@
   <p:sldIdLst>
     <p:sldId id="261" r:id="rId2"/>
     <p:sldId id="262" r:id="rId3"/>
-    <p:sldId id="264" r:id="rId4"/>
-    <p:sldId id="265" r:id="rId5"/>
-    <p:sldId id="256" r:id="rId6"/>
-    <p:sldId id="258" r:id="rId7"/>
-    <p:sldId id="257" r:id="rId8"/>
-    <p:sldId id="263" r:id="rId9"/>
-    <p:sldId id="266" r:id="rId10"/>
-    <p:sldId id="259" r:id="rId11"/>
+    <p:sldId id="272" r:id="rId4"/>
+    <p:sldId id="264" r:id="rId5"/>
+    <p:sldId id="265" r:id="rId6"/>
+    <p:sldId id="256" r:id="rId7"/>
+    <p:sldId id="258" r:id="rId8"/>
+    <p:sldId id="257" r:id="rId9"/>
+    <p:sldId id="263" r:id="rId10"/>
+    <p:sldId id="266" r:id="rId11"/>
     <p:sldId id="260" r:id="rId12"/>
-    <p:sldId id="267" r:id="rId13"/>
-    <p:sldId id="268" r:id="rId14"/>
-    <p:sldId id="269" r:id="rId15"/>
-    <p:sldId id="271" r:id="rId16"/>
-    <p:sldId id="270" r:id="rId17"/>
+    <p:sldId id="259" r:id="rId13"/>
+    <p:sldId id="267" r:id="rId14"/>
+    <p:sldId id="268" r:id="rId15"/>
+    <p:sldId id="269" r:id="rId16"/>
+    <p:sldId id="271" r:id="rId17"/>
+    <p:sldId id="270" r:id="rId18"/>
   </p:sldIdLst>
   <p:sldSz cx="12192000" cy="6858000"/>
   <p:notesSz cx="6858000" cy="9144000"/>
@@ -353,7 +354,7 @@
           <a:p>
             <a:fld id="{FACE3F5C-E0A9-4961-AB32-3601E9492E18}" type="datetimeFigureOut">
               <a:rPr lang="en-IN" smtClean="0"/>
-              <a:t>08-04-2023</a:t>
+              <a:t>09-04-2023</a:t>
             </a:fld>
             <a:endParaRPr lang="en-IN" dirty="0"/>
           </a:p>
@@ -561,7 +562,7 @@
           <a:p>
             <a:fld id="{FACE3F5C-E0A9-4961-AB32-3601E9492E18}" type="datetimeFigureOut">
               <a:rPr lang="en-IN" smtClean="0"/>
-              <a:t>08-04-2023</a:t>
+              <a:t>09-04-2023</a:t>
             </a:fld>
             <a:endParaRPr lang="en-IN" dirty="0"/>
           </a:p>
@@ -817,7 +818,7 @@
           <a:p>
             <a:fld id="{FACE3F5C-E0A9-4961-AB32-3601E9492E18}" type="datetimeFigureOut">
               <a:rPr lang="en-IN" smtClean="0"/>
-              <a:t>08-04-2023</a:t>
+              <a:t>09-04-2023</a:t>
             </a:fld>
             <a:endParaRPr lang="en-IN" dirty="0"/>
           </a:p>
@@ -991,7 +992,7 @@
           <a:p>
             <a:fld id="{FACE3F5C-E0A9-4961-AB32-3601E9492E18}" type="datetimeFigureOut">
               <a:rPr lang="en-IN" smtClean="0"/>
-              <a:t>08-04-2023</a:t>
+              <a:t>09-04-2023</a:t>
             </a:fld>
             <a:endParaRPr lang="en-IN" dirty="0"/>
           </a:p>
@@ -1334,7 +1335,7 @@
           <a:p>
             <a:fld id="{FACE3F5C-E0A9-4961-AB32-3601E9492E18}" type="datetimeFigureOut">
               <a:rPr lang="en-IN" smtClean="0"/>
-              <a:t>08-04-2023</a:t>
+              <a:t>09-04-2023</a:t>
             </a:fld>
             <a:endParaRPr lang="en-IN" dirty="0"/>
           </a:p>
@@ -1609,7 +1610,7 @@
           <a:p>
             <a:fld id="{FACE3F5C-E0A9-4961-AB32-3601E9492E18}" type="datetimeFigureOut">
               <a:rPr lang="en-IN" smtClean="0"/>
-              <a:t>08-04-2023</a:t>
+              <a:t>09-04-2023</a:t>
             </a:fld>
             <a:endParaRPr lang="en-IN" dirty="0"/>
           </a:p>
@@ -1988,7 +1989,7 @@
           <a:p>
             <a:fld id="{FACE3F5C-E0A9-4961-AB32-3601E9492E18}" type="datetimeFigureOut">
               <a:rPr lang="en-IN" smtClean="0"/>
-              <a:t>08-04-2023</a:t>
+              <a:t>09-04-2023</a:t>
             </a:fld>
             <a:endParaRPr lang="en-IN" dirty="0"/>
           </a:p>
@@ -2106,7 +2107,7 @@
           <a:p>
             <a:fld id="{FACE3F5C-E0A9-4961-AB32-3601E9492E18}" type="datetimeFigureOut">
               <a:rPr lang="en-IN" smtClean="0"/>
-              <a:t>08-04-2023</a:t>
+              <a:t>09-04-2023</a:t>
             </a:fld>
             <a:endParaRPr lang="en-IN" dirty="0"/>
           </a:p>
@@ -2277,7 +2278,7 @@
           <a:p>
             <a:fld id="{FACE3F5C-E0A9-4961-AB32-3601E9492E18}" type="datetimeFigureOut">
               <a:rPr lang="en-IN" smtClean="0"/>
-              <a:t>08-04-2023</a:t>
+              <a:t>09-04-2023</a:t>
             </a:fld>
             <a:endParaRPr lang="en-IN" dirty="0"/>
           </a:p>
@@ -2631,7 +2632,7 @@
           <a:p>
             <a:fld id="{FACE3F5C-E0A9-4961-AB32-3601E9492E18}" type="datetimeFigureOut">
               <a:rPr lang="en-IN" smtClean="0"/>
-              <a:t>08-04-2023</a:t>
+              <a:t>09-04-2023</a:t>
             </a:fld>
             <a:endParaRPr lang="en-IN" dirty="0"/>
           </a:p>
@@ -3013,7 +3014,7 @@
           <a:p>
             <a:fld id="{FACE3F5C-E0A9-4961-AB32-3601E9492E18}" type="datetimeFigureOut">
               <a:rPr lang="en-IN" smtClean="0"/>
-              <a:t>08-04-2023</a:t>
+              <a:t>09-04-2023</a:t>
             </a:fld>
             <a:endParaRPr lang="en-IN" dirty="0"/>
           </a:p>
@@ -3300,7 +3301,7 @@
           <a:p>
             <a:fld id="{FACE3F5C-E0A9-4961-AB32-3601E9492E18}" type="datetimeFigureOut">
               <a:rPr lang="en-IN" smtClean="0"/>
-              <a:t>08-04-2023</a:t>
+              <a:t>09-04-2023</a:t>
             </a:fld>
             <a:endParaRPr lang="en-IN" dirty="0"/>
           </a:p>
@@ -3824,16 +3825,448 @@
           <a:chExt cx="0" cy="0"/>
         </a:xfrm>
       </p:grpSpPr>
-      <p:sp>
-        <p:nvSpPr>
-          <p:cNvPr id="2" name="TextBox 1"/>
+      <p:pic>
+        <p:nvPicPr>
+          <p:cNvPr id="3" name="Picture 246" descr="A picture containing icon&#10;&#10;Description automatically generated">
+            <a:extLst>
+              <a:ext uri="{FF2B5EF4-FFF2-40B4-BE49-F238E27FC236}">
+                <a16:creationId xmlns:a16="http://schemas.microsoft.com/office/drawing/2014/main" id="{16F10EDA-5CE6-4E3F-AFEA-AD0EBB63A057}"/>
+              </a:ext>
+            </a:extLst>
+          </p:cNvPr>
+          <p:cNvPicPr>
+            <a:picLocks noChangeAspect="1"/>
+          </p:cNvPicPr>
+          <p:nvPr/>
+        </p:nvPicPr>
+        <p:blipFill>
+          <a:blip r:embed="rId2"/>
+          <a:stretch>
+            <a:fillRect/>
+          </a:stretch>
+        </p:blipFill>
+        <p:spPr>
+          <a:xfrm>
+            <a:off x="238940" y="1167705"/>
+            <a:ext cx="5291377" cy="2275292"/>
+          </a:xfrm>
+          <a:prstGeom prst="rect">
+            <a:avLst/>
+          </a:prstGeom>
+        </p:spPr>
+      </p:pic>
+      <p:sp>
+        <p:nvSpPr>
+          <p:cNvPr id="4" name="TextBox 3">
+            <a:extLst>
+              <a:ext uri="{FF2B5EF4-FFF2-40B4-BE49-F238E27FC236}">
+                <a16:creationId xmlns:a16="http://schemas.microsoft.com/office/drawing/2014/main" id="{7B5195D5-7FDC-4FF7-83AD-5A359DE54A95}"/>
+              </a:ext>
+            </a:extLst>
+          </p:cNvPr>
           <p:cNvSpPr txBox="1"/>
           <p:nvPr/>
         </p:nvSpPr>
         <p:spPr>
           <a:xfrm>
-            <a:off x="4674637" y="1614196"/>
-            <a:ext cx="1175002" cy="369332"/>
+            <a:off x="5115917" y="365722"/>
+            <a:ext cx="5624118" cy="1603965"/>
+          </a:xfrm>
+          <a:prstGeom prst="rect">
+            <a:avLst/>
+          </a:prstGeom>
+        </p:spPr>
+        <p:txBody>
+          <a:bodyPr rot="0" spcFirstLastPara="0" vertOverflow="overflow" horzOverflow="overflow" vert="horz" lIns="109728" tIns="109728" rIns="109728" bIns="91440" numCol="1" spcCol="0" rtlCol="0" fromWordArt="0" anchor="b" anchorCtr="0" forceAA="0" compatLnSpc="1">
+            <a:prstTxWarp prst="textNoShape">
+              <a:avLst/>
+            </a:prstTxWarp>
+            <a:normAutofit/>
+          </a:bodyPr>
+          <a:lstStyle/>
+          <a:p>
+            <a:pPr>
+              <a:lnSpc>
+                <a:spcPct val="120000"/>
+              </a:lnSpc>
+              <a:spcBef>
+                <a:spcPct val="0"/>
+              </a:spcBef>
+              <a:spcAft>
+                <a:spcPts val="600"/>
+              </a:spcAft>
+            </a:pPr>
+            <a:r>
+              <a:rPr lang="en-US" sz="4000" b="1" spc="150" dirty="0" smtClean="0">
+                <a:solidFill>
+                  <a:schemeClr val="tx1">
+                    <a:lumMod val="85000"/>
+                    <a:lumOff val="15000"/>
+                  </a:schemeClr>
+                </a:solidFill>
+                <a:latin typeface="Comic Sans MS"/>
+                <a:ea typeface="+mj-ea"/>
+                <a:cs typeface="+mj-cs"/>
+              </a:rPr>
+              <a:t>MAJOR </a:t>
+            </a:r>
+            <a:r>
+              <a:rPr lang="en-US" sz="4000" b="1" spc="150" dirty="0">
+                <a:solidFill>
+                  <a:schemeClr val="tx1">
+                    <a:lumMod val="85000"/>
+                    <a:lumOff val="15000"/>
+                  </a:schemeClr>
+                </a:solidFill>
+                <a:latin typeface="Comic Sans MS"/>
+                <a:ea typeface="+mj-ea"/>
+                <a:cs typeface="+mj-cs"/>
+              </a:rPr>
+              <a:t>PROJECT</a:t>
+            </a:r>
+            <a:endParaRPr lang="en-US" dirty="0">
+              <a:solidFill>
+                <a:schemeClr val="tx1">
+                  <a:lumMod val="85000"/>
+                  <a:lumOff val="15000"/>
+                </a:schemeClr>
+              </a:solidFill>
+              <a:latin typeface="Comic Sans MS"/>
+            </a:endParaRPr>
+          </a:p>
+          <a:p>
+            <a:pPr>
+              <a:lnSpc>
+                <a:spcPct val="120000"/>
+              </a:lnSpc>
+              <a:spcBef>
+                <a:spcPct val="0"/>
+              </a:spcBef>
+              <a:spcAft>
+                <a:spcPts val="600"/>
+              </a:spcAft>
+            </a:pPr>
+            <a:endParaRPr lang="en-US" dirty="0">
+              <a:solidFill>
+                <a:schemeClr val="tx1">
+                  <a:lumMod val="85000"/>
+                  <a:lumOff val="15000"/>
+                </a:schemeClr>
+              </a:solidFill>
+              <a:latin typeface="Comic Sans MS"/>
+              <a:ea typeface="+mj-ea"/>
+              <a:cs typeface="+mj-cs"/>
+            </a:endParaRPr>
+          </a:p>
+        </p:txBody>
+      </p:sp>
+      <p:sp>
+        <p:nvSpPr>
+          <p:cNvPr id="5" name="Subtitle 2"/>
+          <p:cNvSpPr txBox="1">
+            <a:spLocks/>
+          </p:cNvSpPr>
+          <p:nvPr/>
+        </p:nvSpPr>
+        <p:spPr>
+          <a:xfrm>
+            <a:off x="5010791" y="1696273"/>
+            <a:ext cx="6248770" cy="858662"/>
+          </a:xfrm>
+          <a:prstGeom prst="rect">
+            <a:avLst/>
+          </a:prstGeom>
+        </p:spPr>
+        <p:txBody>
+          <a:bodyPr vert="horz" lIns="109728" tIns="109728" rIns="109728" bIns="91440" rtlCol="0" anchor="t">
+            <a:noAutofit/>
+          </a:bodyPr>
+          <a:lstStyle>
+            <a:lvl1pPr marL="91440" indent="-91440" algn="l" defTabSz="914400" rtl="0" eaLnBrk="1" latinLnBrk="0" hangingPunct="1">
+              <a:lnSpc>
+                <a:spcPct val="90000"/>
+              </a:lnSpc>
+              <a:spcBef>
+                <a:spcPts val="1200"/>
+              </a:spcBef>
+              <a:spcAft>
+                <a:spcPts val="200"/>
+              </a:spcAft>
+              <a:buClr>
+                <a:schemeClr val="accent1"/>
+              </a:buClr>
+              <a:buSzPct val="100000"/>
+              <a:buFont typeface="Calibri" panose="020F0502020204030204" pitchFamily="34" charset="0"/>
+              <a:buChar char=" "/>
+              <a:defRPr sz="2000" kern="1200">
+                <a:solidFill>
+                  <a:schemeClr val="tx1">
+                    <a:lumMod val="75000"/>
+                    <a:lumOff val="25000"/>
+                  </a:schemeClr>
+                </a:solidFill>
+                <a:latin typeface="+mn-lt"/>
+                <a:ea typeface="+mn-ea"/>
+                <a:cs typeface="+mn-cs"/>
+              </a:defRPr>
+            </a:lvl1pPr>
+            <a:lvl2pPr marL="384048" indent="-182880" algn="l" defTabSz="914400" rtl="0" eaLnBrk="1" latinLnBrk="0" hangingPunct="1">
+              <a:lnSpc>
+                <a:spcPct val="90000"/>
+              </a:lnSpc>
+              <a:spcBef>
+                <a:spcPts val="200"/>
+              </a:spcBef>
+              <a:spcAft>
+                <a:spcPts val="400"/>
+              </a:spcAft>
+              <a:buClr>
+                <a:schemeClr val="accent1"/>
+              </a:buClr>
+              <a:buFont typeface="Calibri" pitchFamily="34" charset="0"/>
+              <a:buChar char="◦"/>
+              <a:defRPr sz="1800" kern="1200">
+                <a:solidFill>
+                  <a:schemeClr val="tx1">
+                    <a:lumMod val="75000"/>
+                    <a:lumOff val="25000"/>
+                  </a:schemeClr>
+                </a:solidFill>
+                <a:latin typeface="+mn-lt"/>
+                <a:ea typeface="+mn-ea"/>
+                <a:cs typeface="+mn-cs"/>
+              </a:defRPr>
+            </a:lvl2pPr>
+            <a:lvl3pPr marL="566928" indent="-182880" algn="l" defTabSz="914400" rtl="0" eaLnBrk="1" latinLnBrk="0" hangingPunct="1">
+              <a:lnSpc>
+                <a:spcPct val="90000"/>
+              </a:lnSpc>
+              <a:spcBef>
+                <a:spcPts val="200"/>
+              </a:spcBef>
+              <a:spcAft>
+                <a:spcPts val="400"/>
+              </a:spcAft>
+              <a:buClr>
+                <a:schemeClr val="accent1"/>
+              </a:buClr>
+              <a:buFont typeface="Calibri" pitchFamily="34" charset="0"/>
+              <a:buChar char="◦"/>
+              <a:defRPr sz="1400" kern="1200">
+                <a:solidFill>
+                  <a:schemeClr val="tx1">
+                    <a:lumMod val="75000"/>
+                    <a:lumOff val="25000"/>
+                  </a:schemeClr>
+                </a:solidFill>
+                <a:latin typeface="+mn-lt"/>
+                <a:ea typeface="+mn-ea"/>
+                <a:cs typeface="+mn-cs"/>
+              </a:defRPr>
+            </a:lvl3pPr>
+            <a:lvl4pPr marL="749808" indent="-182880" algn="l" defTabSz="914400" rtl="0" eaLnBrk="1" latinLnBrk="0" hangingPunct="1">
+              <a:lnSpc>
+                <a:spcPct val="90000"/>
+              </a:lnSpc>
+              <a:spcBef>
+                <a:spcPts val="200"/>
+              </a:spcBef>
+              <a:spcAft>
+                <a:spcPts val="400"/>
+              </a:spcAft>
+              <a:buClr>
+                <a:schemeClr val="accent1"/>
+              </a:buClr>
+              <a:buFont typeface="Calibri" pitchFamily="34" charset="0"/>
+              <a:buChar char="◦"/>
+              <a:defRPr sz="1400" kern="1200">
+                <a:solidFill>
+                  <a:schemeClr val="tx1">
+                    <a:lumMod val="75000"/>
+                    <a:lumOff val="25000"/>
+                  </a:schemeClr>
+                </a:solidFill>
+                <a:latin typeface="+mn-lt"/>
+                <a:ea typeface="+mn-ea"/>
+                <a:cs typeface="+mn-cs"/>
+              </a:defRPr>
+            </a:lvl4pPr>
+            <a:lvl5pPr marL="932688" indent="-182880" algn="l" defTabSz="914400" rtl="0" eaLnBrk="1" latinLnBrk="0" hangingPunct="1">
+              <a:lnSpc>
+                <a:spcPct val="90000"/>
+              </a:lnSpc>
+              <a:spcBef>
+                <a:spcPts val="200"/>
+              </a:spcBef>
+              <a:spcAft>
+                <a:spcPts val="400"/>
+              </a:spcAft>
+              <a:buClr>
+                <a:schemeClr val="accent1"/>
+              </a:buClr>
+              <a:buFont typeface="Calibri" pitchFamily="34" charset="0"/>
+              <a:buChar char="◦"/>
+              <a:defRPr sz="1400" kern="1200">
+                <a:solidFill>
+                  <a:schemeClr val="tx1">
+                    <a:lumMod val="75000"/>
+                    <a:lumOff val="25000"/>
+                  </a:schemeClr>
+                </a:solidFill>
+                <a:latin typeface="+mn-lt"/>
+                <a:ea typeface="+mn-ea"/>
+                <a:cs typeface="+mn-cs"/>
+              </a:defRPr>
+            </a:lvl5pPr>
+            <a:lvl6pPr marL="1100000" indent="-228600" algn="l" defTabSz="914400" rtl="0" eaLnBrk="1" latinLnBrk="0" hangingPunct="1">
+              <a:lnSpc>
+                <a:spcPct val="90000"/>
+              </a:lnSpc>
+              <a:spcBef>
+                <a:spcPts val="200"/>
+              </a:spcBef>
+              <a:spcAft>
+                <a:spcPts val="400"/>
+              </a:spcAft>
+              <a:buClr>
+                <a:schemeClr val="accent1"/>
+              </a:buClr>
+              <a:buFont typeface="Calibri" pitchFamily="34" charset="0"/>
+              <a:buChar char="◦"/>
+              <a:defRPr sz="1400" kern="1200">
+                <a:solidFill>
+                  <a:schemeClr val="tx1">
+                    <a:lumMod val="75000"/>
+                    <a:lumOff val="25000"/>
+                  </a:schemeClr>
+                </a:solidFill>
+                <a:latin typeface="+mn-lt"/>
+                <a:ea typeface="+mn-ea"/>
+                <a:cs typeface="+mn-cs"/>
+              </a:defRPr>
+            </a:lvl6pPr>
+            <a:lvl7pPr marL="1300000" indent="-228600" algn="l" defTabSz="914400" rtl="0" eaLnBrk="1" latinLnBrk="0" hangingPunct="1">
+              <a:lnSpc>
+                <a:spcPct val="90000"/>
+              </a:lnSpc>
+              <a:spcBef>
+                <a:spcPts val="200"/>
+              </a:spcBef>
+              <a:spcAft>
+                <a:spcPts val="400"/>
+              </a:spcAft>
+              <a:buClr>
+                <a:schemeClr val="accent1"/>
+              </a:buClr>
+              <a:buFont typeface="Calibri" pitchFamily="34" charset="0"/>
+              <a:buChar char="◦"/>
+              <a:defRPr sz="1400" kern="1200">
+                <a:solidFill>
+                  <a:schemeClr val="tx1">
+                    <a:lumMod val="75000"/>
+                    <a:lumOff val="25000"/>
+                  </a:schemeClr>
+                </a:solidFill>
+                <a:latin typeface="+mn-lt"/>
+                <a:ea typeface="+mn-ea"/>
+                <a:cs typeface="+mn-cs"/>
+              </a:defRPr>
+            </a:lvl7pPr>
+            <a:lvl8pPr marL="1500000" indent="-228600" algn="l" defTabSz="914400" rtl="0" eaLnBrk="1" latinLnBrk="0" hangingPunct="1">
+              <a:lnSpc>
+                <a:spcPct val="90000"/>
+              </a:lnSpc>
+              <a:spcBef>
+                <a:spcPts val="200"/>
+              </a:spcBef>
+              <a:spcAft>
+                <a:spcPts val="400"/>
+              </a:spcAft>
+              <a:buClr>
+                <a:schemeClr val="accent1"/>
+              </a:buClr>
+              <a:buFont typeface="Calibri" pitchFamily="34" charset="0"/>
+              <a:buChar char="◦"/>
+              <a:defRPr sz="1400" kern="1200">
+                <a:solidFill>
+                  <a:schemeClr val="tx1">
+                    <a:lumMod val="75000"/>
+                    <a:lumOff val="25000"/>
+                  </a:schemeClr>
+                </a:solidFill>
+                <a:latin typeface="+mn-lt"/>
+                <a:ea typeface="+mn-ea"/>
+                <a:cs typeface="+mn-cs"/>
+              </a:defRPr>
+            </a:lvl8pPr>
+            <a:lvl9pPr marL="1700000" indent="-228600" algn="l" defTabSz="914400" rtl="0" eaLnBrk="1" latinLnBrk="0" hangingPunct="1">
+              <a:lnSpc>
+                <a:spcPct val="90000"/>
+              </a:lnSpc>
+              <a:spcBef>
+                <a:spcPts val="200"/>
+              </a:spcBef>
+              <a:spcAft>
+                <a:spcPts val="400"/>
+              </a:spcAft>
+              <a:buClr>
+                <a:schemeClr val="accent1"/>
+              </a:buClr>
+              <a:buFont typeface="Calibri" pitchFamily="34" charset="0"/>
+              <a:buChar char="◦"/>
+              <a:defRPr sz="1400" kern="1200">
+                <a:solidFill>
+                  <a:schemeClr val="tx1">
+                    <a:lumMod val="75000"/>
+                    <a:lumOff val="25000"/>
+                  </a:schemeClr>
+                </a:solidFill>
+                <a:latin typeface="+mn-lt"/>
+                <a:ea typeface="+mn-ea"/>
+                <a:cs typeface="+mn-cs"/>
+              </a:defRPr>
+            </a:lvl9pPr>
+          </a:lstStyle>
+          <a:p>
+            <a:r>
+              <a:rPr lang="en-US" sz="2800" b="1" u="sng" dirty="0" smtClean="0">
+                <a:solidFill>
+                  <a:schemeClr val="tx2">
+                    <a:lumMod val="50000"/>
+                  </a:schemeClr>
+                </a:solidFill>
+                <a:latin typeface="Century Schoolbook"/>
+                <a:ea typeface="Meiryo"/>
+              </a:rPr>
+              <a:t>PERSONALIZED AI CHAT BOT</a:t>
+            </a:r>
+            <a:endParaRPr lang="en-US" sz="2800" b="1" u="sng" dirty="0">
+              <a:solidFill>
+                <a:schemeClr val="tx2">
+                  <a:lumMod val="50000"/>
+                </a:schemeClr>
+              </a:solidFill>
+              <a:latin typeface="Century Schoolbook"/>
+            </a:endParaRPr>
+          </a:p>
+        </p:txBody>
+      </p:sp>
+      <p:sp>
+        <p:nvSpPr>
+          <p:cNvPr id="6" name="TextBox 5">
+            <a:extLst>
+              <a:ext uri="{FF2B5EF4-FFF2-40B4-BE49-F238E27FC236}">
+                <a16:creationId xmlns:a16="http://schemas.microsoft.com/office/drawing/2014/main" id="{D965FAFF-696C-48C9-ACF4-A64BCEF5C209}"/>
+              </a:ext>
+            </a:extLst>
+          </p:cNvPr>
+          <p:cNvSpPr txBox="1"/>
+          <p:nvPr/>
+        </p:nvSpPr>
+        <p:spPr>
+          <a:xfrm>
+            <a:off x="7758699" y="3656427"/>
+            <a:ext cx="4486404" cy="2246769"/>
           </a:xfrm>
           <a:prstGeom prst="rect">
             <a:avLst/>
@@ -3841,16 +4274,106 @@
           <a:noFill/>
         </p:spPr>
         <p:txBody>
-          <a:bodyPr wrap="none" rtlCol="0">
+          <a:bodyPr rot="0" spcFirstLastPara="0" vertOverflow="overflow" horzOverflow="overflow" vert="horz" wrap="square" lIns="91440" tIns="45720" rIns="91440" bIns="45720" numCol="1" spcCol="0" rtlCol="0" fromWordArt="0" anchor="t" anchorCtr="0" forceAA="0" compatLnSpc="1">
+            <a:prstTxWarp prst="textNoShape">
+              <a:avLst/>
+            </a:prstTxWarp>
             <a:spAutoFit/>
           </a:bodyPr>
           <a:lstStyle/>
           <a:p>
             <a:r>
-              <a:rPr lang="en-IN" dirty="0" smtClean="0"/>
-              <a:t>Main page</a:t>
-            </a:r>
-            <a:endParaRPr lang="en-IN" dirty="0"/>
+              <a:rPr lang="en-US" sz="2800" dirty="0"/>
+              <a:t>Submitted by:</a:t>
+            </a:r>
+            <a:endParaRPr lang="en-US" sz="2800" dirty="0">
+              <a:ea typeface="Meiryo"/>
+            </a:endParaRPr>
+          </a:p>
+          <a:p>
+            <a:endParaRPr lang="en-US" sz="2800" dirty="0">
+              <a:ea typeface="Meiryo"/>
+            </a:endParaRPr>
+          </a:p>
+          <a:p>
+            <a:r>
+              <a:rPr lang="en-US" sz="2800" dirty="0">
+                <a:ea typeface="Meiryo"/>
+              </a:rPr>
+              <a:t>Shruti Verma</a:t>
+            </a:r>
+          </a:p>
+          <a:p>
+            <a:r>
+              <a:rPr lang="en-US" sz="2800" dirty="0">
+                <a:ea typeface="Meiryo"/>
+              </a:rPr>
+              <a:t>Devershi Vashistha</a:t>
+            </a:r>
+          </a:p>
+          <a:p>
+            <a:r>
+              <a:rPr lang="en-US" sz="2800" dirty="0">
+                <a:ea typeface="Meiryo"/>
+              </a:rPr>
+              <a:t>Shrey Somwanshi</a:t>
+            </a:r>
+          </a:p>
+        </p:txBody>
+      </p:sp>
+      <p:sp>
+        <p:nvSpPr>
+          <p:cNvPr id="7" name="TextBox 6">
+            <a:extLst>
+              <a:ext uri="{FF2B5EF4-FFF2-40B4-BE49-F238E27FC236}">
+                <a16:creationId xmlns:a16="http://schemas.microsoft.com/office/drawing/2014/main" id="{48DBDB63-86B9-4C73-919F-92548AED7E47}"/>
+              </a:ext>
+            </a:extLst>
+          </p:cNvPr>
+          <p:cNvSpPr txBox="1"/>
+          <p:nvPr/>
+        </p:nvSpPr>
+        <p:spPr>
+          <a:xfrm>
+            <a:off x="1335848" y="4613493"/>
+            <a:ext cx="3494760" cy="1200329"/>
+          </a:xfrm>
+          <a:prstGeom prst="rect">
+            <a:avLst/>
+          </a:prstGeom>
+          <a:noFill/>
+        </p:spPr>
+        <p:txBody>
+          <a:bodyPr rot="0" spcFirstLastPara="0" vertOverflow="overflow" horzOverflow="overflow" vert="horz" wrap="square" lIns="91440" tIns="45720" rIns="91440" bIns="45720" numCol="1" spcCol="0" rtlCol="0" fromWordArt="0" anchor="t" anchorCtr="0" forceAA="0" compatLnSpc="1">
+            <a:prstTxWarp prst="textNoShape">
+              <a:avLst/>
+            </a:prstTxWarp>
+            <a:spAutoFit/>
+          </a:bodyPr>
+          <a:lstStyle/>
+          <a:p>
+            <a:r>
+              <a:rPr lang="en-US" sz="2400" dirty="0">
+                <a:ea typeface="Meiryo"/>
+              </a:rPr>
+              <a:t>Guided by:</a:t>
+            </a:r>
+            <a:br>
+              <a:rPr lang="en-US" sz="2400" dirty="0">
+                <a:ea typeface="Meiryo"/>
+              </a:rPr>
+            </a:br>
+            <a:endParaRPr lang="en-US" sz="2400" dirty="0">
+              <a:ea typeface="Meiryo"/>
+            </a:endParaRPr>
+          </a:p>
+          <a:p>
+            <a:r>
+              <a:rPr lang="en-US" sz="2400" dirty="0">
+                <a:ea typeface="Meiryo"/>
+              </a:rPr>
+              <a:t>Mr. Titu Singh Arora</a:t>
+            </a:r>
           </a:p>
         </p:txBody>
       </p:sp>
@@ -3864,6 +4387,13 @@
   <p:clrMapOvr>
     <a:masterClrMapping/>
   </p:clrMapOvr>
+  <p:timing>
+    <p:tnLst>
+      <p:par>
+        <p:cTn id="1" dur="indefinite" restart="never" nodeType="tmRoot"/>
+      </p:par>
+    </p:tnLst>
+  </p:timing>
 </p:sld>
 </file>
 
@@ -3884,61 +4414,6 @@
           <a:chExt cx="0" cy="0"/>
         </a:xfrm>
       </p:grpSpPr>
-      <p:sp>
-        <p:nvSpPr>
-          <p:cNvPr id="2" name="Rectangle 1"/>
-          <p:cNvSpPr/>
-          <p:nvPr/>
-        </p:nvSpPr>
-        <p:spPr>
-          <a:xfrm>
-            <a:off x="4708008" y="186812"/>
-            <a:ext cx="3018583" cy="923330"/>
-          </a:xfrm>
-          <a:prstGeom prst="rect">
-            <a:avLst/>
-          </a:prstGeom>
-          <a:noFill/>
-        </p:spPr>
-        <p:txBody>
-          <a:bodyPr wrap="none" lIns="91440" tIns="45720" rIns="91440" bIns="45720">
-            <a:spAutoFit/>
-          </a:bodyPr>
-          <a:lstStyle/>
-          <a:p>
-            <a:pPr algn="ctr"/>
-            <a:r>
-              <a:rPr lang="en-US" sz="5400" b="0" cap="none" spc="0" dirty="0" smtClean="0">
-                <a:ln w="0"/>
-                <a:solidFill>
-                  <a:schemeClr val="accent1"/>
-                </a:solidFill>
-                <a:effectLst>
-                  <a:outerShdw blurRad="38100" dist="25400" dir="5400000" algn="ctr" rotWithShape="0">
-                    <a:srgbClr val="6E747A">
-                      <a:alpha val="43000"/>
-                    </a:srgbClr>
-                  </a:outerShdw>
-                </a:effectLst>
-              </a:rPr>
-              <a:t>HAYSTACK</a:t>
-            </a:r>
-            <a:endParaRPr lang="en-US" sz="5400" b="0" cap="none" spc="0" dirty="0">
-              <a:ln w="0"/>
-              <a:solidFill>
-                <a:schemeClr val="accent1"/>
-              </a:solidFill>
-              <a:effectLst>
-                <a:outerShdw blurRad="38100" dist="25400" dir="5400000" algn="ctr" rotWithShape="0">
-                  <a:srgbClr val="6E747A">
-                    <a:alpha val="43000"/>
-                  </a:srgbClr>
-                </a:outerShdw>
-              </a:effectLst>
-            </a:endParaRPr>
-          </a:p>
-        </p:txBody>
-      </p:sp>
       <p:pic>
         <p:nvPicPr>
           <p:cNvPr id="3" name="Picture 2"/>
@@ -3948,7 +4423,7 @@
           <p:nvPr/>
         </p:nvPicPr>
         <p:blipFill>
-          <a:blip r:embed="rId2">
+          <a:blip r:embed="rId2" cstate="print">
             <a:extLst>
               <a:ext uri="{28A0092B-C50C-407E-A947-70E740481C1C}">
                 <a14:useLocalDpi xmlns:a14="http://schemas.microsoft.com/office/drawing/2010/main" val="0"/>
@@ -3961,8 +4436,169 @@
         </p:blipFill>
         <p:spPr>
           <a:xfrm>
-            <a:off x="36891" y="927036"/>
-            <a:ext cx="11999599" cy="5053885"/>
+            <a:off x="88827" y="1276925"/>
+            <a:ext cx="4432568" cy="2122092"/>
+          </a:xfrm>
+          <a:prstGeom prst="rect">
+            <a:avLst/>
+          </a:prstGeom>
+        </p:spPr>
+      </p:pic>
+      <p:sp>
+        <p:nvSpPr>
+          <p:cNvPr id="4" name="TextBox 3"/>
+          <p:cNvSpPr txBox="1"/>
+          <p:nvPr/>
+        </p:nvSpPr>
+        <p:spPr>
+          <a:xfrm>
+            <a:off x="270546" y="3399017"/>
+            <a:ext cx="4562712" cy="1295868"/>
+          </a:xfrm>
+          <a:prstGeom prst="rect">
+            <a:avLst/>
+          </a:prstGeom>
+          <a:noFill/>
+        </p:spPr>
+        <p:txBody>
+          <a:bodyPr wrap="square" rtlCol="0">
+            <a:spAutoFit/>
+          </a:bodyPr>
+          <a:lstStyle/>
+          <a:p>
+            <a:pPr>
+              <a:lnSpc>
+                <a:spcPct val="150000"/>
+              </a:lnSpc>
+            </a:pPr>
+            <a:r>
+              <a:rPr lang="en-US" dirty="0"/>
+              <a:t>Haystack is an </a:t>
+            </a:r>
+            <a:r>
+              <a:rPr lang="en-US" b="1" dirty="0"/>
+              <a:t>open-source framework</a:t>
+            </a:r>
+            <a:r>
+              <a:rPr lang="en-US" dirty="0"/>
+              <a:t> for building </a:t>
+            </a:r>
+            <a:r>
+              <a:rPr lang="en-US" b="1" dirty="0"/>
+              <a:t>search systems</a:t>
+            </a:r>
+            <a:r>
+              <a:rPr lang="en-US" dirty="0"/>
+              <a:t> that work intelligently over large document collections.</a:t>
+            </a:r>
+            <a:endParaRPr lang="en-IN" dirty="0"/>
+          </a:p>
+        </p:txBody>
+      </p:sp>
+      <p:sp>
+        <p:nvSpPr>
+          <p:cNvPr id="5" name="Rectangle 4"/>
+          <p:cNvSpPr/>
+          <p:nvPr/>
+        </p:nvSpPr>
+        <p:spPr>
+          <a:xfrm>
+            <a:off x="4521395" y="236964"/>
+            <a:ext cx="3018583" cy="923330"/>
+          </a:xfrm>
+          <a:prstGeom prst="rect">
+            <a:avLst/>
+          </a:prstGeom>
+          <a:noFill/>
+        </p:spPr>
+        <p:txBody>
+          <a:bodyPr wrap="none" lIns="91440" tIns="45720" rIns="91440" bIns="45720">
+            <a:spAutoFit/>
+          </a:bodyPr>
+          <a:lstStyle/>
+          <a:p>
+            <a:pPr algn="ctr"/>
+            <a:r>
+              <a:rPr lang="en-US" sz="5400" dirty="0">
+                <a:ln w="0"/>
+                <a:solidFill>
+                  <a:schemeClr val="accent1">
+                    <a:lumMod val="60000"/>
+                    <a:lumOff val="40000"/>
+                  </a:schemeClr>
+                </a:solidFill>
+                <a:effectLst>
+                  <a:outerShdw blurRad="50800" dist="38100" dir="5400000" algn="t" rotWithShape="0">
+                    <a:prstClr val="black">
+                      <a:alpha val="40000"/>
+                    </a:prstClr>
+                  </a:outerShdw>
+                </a:effectLst>
+              </a:rPr>
+              <a:t>H</a:t>
+            </a:r>
+            <a:r>
+              <a:rPr lang="en-US" sz="5400" b="0" cap="none" spc="0" dirty="0" smtClean="0">
+                <a:ln w="0"/>
+                <a:solidFill>
+                  <a:schemeClr val="accent1">
+                    <a:lumMod val="60000"/>
+                    <a:lumOff val="40000"/>
+                  </a:schemeClr>
+                </a:solidFill>
+                <a:effectLst>
+                  <a:outerShdw blurRad="50800" dist="38100" dir="5400000" algn="t" rotWithShape="0">
+                    <a:prstClr val="black">
+                      <a:alpha val="40000"/>
+                    </a:prstClr>
+                  </a:outerShdw>
+                </a:effectLst>
+              </a:rPr>
+              <a:t>AYSTACK</a:t>
+            </a:r>
+            <a:endParaRPr lang="en-US" sz="5400" b="0" cap="none" spc="0" dirty="0">
+              <a:ln w="0"/>
+              <a:solidFill>
+                <a:schemeClr val="accent1">
+                  <a:lumMod val="60000"/>
+                  <a:lumOff val="40000"/>
+                </a:schemeClr>
+              </a:solidFill>
+              <a:effectLst>
+                <a:outerShdw blurRad="50800" dist="38100" dir="5400000" algn="t" rotWithShape="0">
+                  <a:prstClr val="black">
+                    <a:alpha val="40000"/>
+                  </a:prstClr>
+                </a:outerShdw>
+              </a:effectLst>
+            </a:endParaRPr>
+          </a:p>
+        </p:txBody>
+      </p:sp>
+      <p:pic>
+        <p:nvPicPr>
+          <p:cNvPr id="6" name="Picture 5"/>
+          <p:cNvPicPr>
+            <a:picLocks noChangeAspect="1"/>
+          </p:cNvPicPr>
+          <p:nvPr/>
+        </p:nvPicPr>
+        <p:blipFill>
+          <a:blip r:embed="rId3">
+            <a:extLst>
+              <a:ext uri="{28A0092B-C50C-407E-A947-70E740481C1C}">
+                <a14:useLocalDpi xmlns:a14="http://schemas.microsoft.com/office/drawing/2010/main" val="0"/>
+              </a:ext>
+            </a:extLst>
+          </a:blip>
+          <a:stretch>
+            <a:fillRect/>
+          </a:stretch>
+        </p:blipFill>
+        <p:spPr>
+          <a:xfrm>
+            <a:off x="5299138" y="1686346"/>
+            <a:ext cx="6816681" cy="3286870"/>
           </a:xfrm>
           <a:prstGeom prst="rect">
             <a:avLst/>
@@ -3972,7 +4608,7 @@
     </p:spTree>
     <p:extLst>
       <p:ext uri="{BB962C8B-B14F-4D97-AF65-F5344CB8AC3E}">
-        <p14:creationId xmlns:p14="http://schemas.microsoft.com/office/powerpoint/2010/main" val="4251337847"/>
+        <p14:creationId xmlns:p14="http://schemas.microsoft.com/office/powerpoint/2010/main" val="1301351153"/>
       </p:ext>
     </p:extLst>
   </p:cSld>
@@ -4206,14 +4842,14 @@
       </p:grpSpPr>
       <p:sp>
         <p:nvSpPr>
-          <p:cNvPr id="2" name="TextBox 1"/>
-          <p:cNvSpPr txBox="1"/>
+          <p:cNvPr id="2" name="Rectangle 1"/>
+          <p:cNvSpPr/>
           <p:nvPr/>
         </p:nvSpPr>
         <p:spPr>
           <a:xfrm>
-            <a:off x="4142792" y="1539551"/>
-            <a:ext cx="1037656" cy="369332"/>
+            <a:off x="3275854" y="186812"/>
+            <a:ext cx="5882894" cy="923330"/>
           </a:xfrm>
           <a:prstGeom prst="rect">
             <a:avLst/>
@@ -4221,29 +4857,91 @@
           <a:noFill/>
         </p:spPr>
         <p:txBody>
-          <a:bodyPr wrap="none" rtlCol="0">
+          <a:bodyPr wrap="none" lIns="91440" tIns="45720" rIns="91440" bIns="45720">
             <a:spAutoFit/>
           </a:bodyPr>
           <a:lstStyle/>
           <a:p>
-            <a:r>
-              <a:rPr lang="en-IN" dirty="0" err="1" smtClean="0"/>
-              <a:t>Streamlit</a:t>
-            </a:r>
-            <a:endParaRPr lang="en-IN" dirty="0"/>
-          </a:p>
-        </p:txBody>
-      </p:sp>
+            <a:pPr algn="ctr"/>
+            <a:r>
+              <a:rPr lang="en-US" sz="5400" b="0" cap="none" spc="0" dirty="0" smtClean="0">
+                <a:ln w="0"/>
+                <a:solidFill>
+                  <a:schemeClr val="accent1"/>
+                </a:solidFill>
+                <a:effectLst>
+                  <a:outerShdw blurRad="38100" dist="25400" dir="5400000" algn="ctr" rotWithShape="0">
+                    <a:srgbClr val="6E747A">
+                      <a:alpha val="43000"/>
+                    </a:srgbClr>
+                  </a:outerShdw>
+                </a:effectLst>
+              </a:rPr>
+              <a:t>RASA and HAYSTACK</a:t>
+            </a:r>
+            <a:endParaRPr lang="en-US" sz="5400" b="0" cap="none" spc="0" dirty="0">
+              <a:ln w="0"/>
+              <a:solidFill>
+                <a:schemeClr val="accent1"/>
+              </a:solidFill>
+              <a:effectLst>
+                <a:outerShdw blurRad="38100" dist="25400" dir="5400000" algn="ctr" rotWithShape="0">
+                  <a:srgbClr val="6E747A">
+                    <a:alpha val="43000"/>
+                  </a:srgbClr>
+                </a:outerShdw>
+              </a:effectLst>
+            </a:endParaRPr>
+          </a:p>
+        </p:txBody>
+      </p:sp>
+      <p:pic>
+        <p:nvPicPr>
+          <p:cNvPr id="4" name="Picture 3"/>
+          <p:cNvPicPr>
+            <a:picLocks noChangeAspect="1"/>
+          </p:cNvPicPr>
+          <p:nvPr/>
+        </p:nvPicPr>
+        <p:blipFill>
+          <a:blip r:embed="rId2">
+            <a:extLst>
+              <a:ext uri="{28A0092B-C50C-407E-A947-70E740481C1C}">
+                <a14:useLocalDpi xmlns:a14="http://schemas.microsoft.com/office/drawing/2010/main" val="0"/>
+              </a:ext>
+            </a:extLst>
+          </a:blip>
+          <a:stretch>
+            <a:fillRect/>
+          </a:stretch>
+        </p:blipFill>
+        <p:spPr>
+          <a:xfrm>
+            <a:off x="244460" y="1110142"/>
+            <a:ext cx="11689392" cy="4708756"/>
+          </a:xfrm>
+          <a:prstGeom prst="rect">
+            <a:avLst/>
+          </a:prstGeom>
+        </p:spPr>
+      </p:pic>
     </p:spTree>
     <p:extLst>
       <p:ext uri="{BB962C8B-B14F-4D97-AF65-F5344CB8AC3E}">
-        <p14:creationId xmlns:p14="http://schemas.microsoft.com/office/powerpoint/2010/main" val="2342191964"/>
+        <p14:creationId xmlns:p14="http://schemas.microsoft.com/office/powerpoint/2010/main" val="4251337847"/>
       </p:ext>
     </p:extLst>
   </p:cSld>
   <p:clrMapOvr>
     <a:masterClrMapping/>
   </p:clrMapOvr>
+  <p:timing>
+    <p:tnLst>
+      <p:par>
+        <p:cTn id="1" dur="indefinite" restart="never" nodeType="tmRoot"/>
+      </p:par>
+    </p:tnLst>
+  </p:timing>
 </p:sld>
 </file>
 
@@ -4266,14 +4964,14 @@
       </p:grpSpPr>
       <p:sp>
         <p:nvSpPr>
-          <p:cNvPr id="2" name="TextBox 1"/>
+          <p:cNvPr id="3" name="TextBox 2"/>
           <p:cNvSpPr txBox="1"/>
           <p:nvPr/>
         </p:nvSpPr>
         <p:spPr>
           <a:xfrm>
-            <a:off x="3732245" y="1651518"/>
-            <a:ext cx="895739" cy="369332"/>
+            <a:off x="307914" y="1707503"/>
+            <a:ext cx="8030156" cy="1711366"/>
           </a:xfrm>
           <a:prstGeom prst="rect">
             <a:avLst/>
@@ -4286,24 +4984,181 @@
           </a:bodyPr>
           <a:lstStyle/>
           <a:p>
-            <a:r>
-              <a:rPr lang="en-IN" dirty="0" smtClean="0"/>
-              <a:t>Docker</a:t>
+            <a:pPr>
+              <a:lnSpc>
+                <a:spcPct val="150000"/>
+              </a:lnSpc>
+            </a:pPr>
+            <a:r>
+              <a:rPr lang="en-US" dirty="0" err="1"/>
+              <a:t>Streamlit</a:t>
+            </a:r>
+            <a:r>
+              <a:rPr lang="en-US" dirty="0"/>
+              <a:t> is an open-source Python library used for building and deploying data-driven web </a:t>
+            </a:r>
+            <a:r>
+              <a:rPr lang="en-US" dirty="0" smtClean="0"/>
+              <a:t>applications. </a:t>
+            </a:r>
+            <a:r>
+              <a:rPr lang="en-US" dirty="0" err="1"/>
+              <a:t>Streamlit</a:t>
+            </a:r>
+            <a:r>
+              <a:rPr lang="en-US" dirty="0"/>
+              <a:t> provides a simple and intuitive API for creating custom user interfaces, supporting various input widgets such as sliders, dropdowns, and checkboxes</a:t>
+            </a:r>
+            <a:r>
+              <a:rPr lang="en-US" dirty="0" smtClean="0"/>
+              <a:t>.</a:t>
             </a:r>
             <a:endParaRPr lang="en-IN" dirty="0"/>
           </a:p>
         </p:txBody>
       </p:sp>
+      <p:sp>
+        <p:nvSpPr>
+          <p:cNvPr id="4" name="Rectangle 3"/>
+          <p:cNvSpPr/>
+          <p:nvPr/>
+        </p:nvSpPr>
+        <p:spPr>
+          <a:xfrm>
+            <a:off x="4538318" y="252127"/>
+            <a:ext cx="3413948" cy="923330"/>
+          </a:xfrm>
+          <a:prstGeom prst="rect">
+            <a:avLst/>
+          </a:prstGeom>
+          <a:noFill/>
+        </p:spPr>
+        <p:txBody>
+          <a:bodyPr wrap="none" lIns="91440" tIns="45720" rIns="91440" bIns="45720">
+            <a:spAutoFit/>
+          </a:bodyPr>
+          <a:lstStyle/>
+          <a:p>
+            <a:pPr algn="ctr"/>
+            <a:r>
+              <a:rPr lang="en-US" sz="5400" b="1" cap="none" spc="0" dirty="0" smtClean="0">
+                <a:ln w="13462">
+                  <a:solidFill>
+                    <a:schemeClr val="bg1"/>
+                  </a:solidFill>
+                  <a:prstDash val="solid"/>
+                </a:ln>
+                <a:solidFill>
+                  <a:schemeClr val="accent1">
+                    <a:lumMod val="75000"/>
+                  </a:schemeClr>
+                </a:solidFill>
+                <a:effectLst>
+                  <a:outerShdw dist="38100" dir="2700000" algn="bl" rotWithShape="0">
+                    <a:schemeClr val="accent5"/>
+                  </a:outerShdw>
+                </a:effectLst>
+              </a:rPr>
+              <a:t>STREAMLIT</a:t>
+            </a:r>
+            <a:endParaRPr lang="en-US" sz="5400" b="1" cap="none" spc="0" dirty="0">
+              <a:ln w="13462">
+                <a:solidFill>
+                  <a:schemeClr val="bg1"/>
+                </a:solidFill>
+                <a:prstDash val="solid"/>
+              </a:ln>
+              <a:solidFill>
+                <a:schemeClr val="accent1">
+                  <a:lumMod val="75000"/>
+                </a:schemeClr>
+              </a:solidFill>
+              <a:effectLst>
+                <a:outerShdw dist="38100" dir="2700000" algn="bl" rotWithShape="0">
+                  <a:schemeClr val="accent5"/>
+                </a:outerShdw>
+              </a:effectLst>
+            </a:endParaRPr>
+          </a:p>
+        </p:txBody>
+      </p:sp>
+      <p:pic>
+        <p:nvPicPr>
+          <p:cNvPr id="5" name="Picture 4"/>
+          <p:cNvPicPr>
+            <a:picLocks noChangeAspect="1"/>
+          </p:cNvPicPr>
+          <p:nvPr/>
+        </p:nvPicPr>
+        <p:blipFill>
+          <a:blip r:embed="rId2" cstate="print">
+            <a:extLst>
+              <a:ext uri="{28A0092B-C50C-407E-A947-70E740481C1C}">
+                <a14:useLocalDpi xmlns:a14="http://schemas.microsoft.com/office/drawing/2010/main" val="0"/>
+              </a:ext>
+            </a:extLst>
+          </a:blip>
+          <a:stretch>
+            <a:fillRect/>
+          </a:stretch>
+        </p:blipFill>
+        <p:spPr>
+          <a:xfrm>
+            <a:off x="7952266" y="811563"/>
+            <a:ext cx="4081098" cy="2388637"/>
+          </a:xfrm>
+          <a:prstGeom prst="rect">
+            <a:avLst/>
+          </a:prstGeom>
+        </p:spPr>
+      </p:pic>
+      <p:pic>
+        <p:nvPicPr>
+          <p:cNvPr id="7" name="Picture 6"/>
+          <p:cNvPicPr>
+            <a:picLocks noChangeAspect="1"/>
+          </p:cNvPicPr>
+          <p:nvPr/>
+        </p:nvPicPr>
+        <p:blipFill>
+          <a:blip r:embed="rId3" cstate="print">
+            <a:extLst>
+              <a:ext uri="{28A0092B-C50C-407E-A947-70E740481C1C}">
+                <a14:useLocalDpi xmlns:a14="http://schemas.microsoft.com/office/drawing/2010/main" val="0"/>
+              </a:ext>
+            </a:extLst>
+          </a:blip>
+          <a:stretch>
+            <a:fillRect/>
+          </a:stretch>
+        </p:blipFill>
+        <p:spPr>
+          <a:xfrm>
+            <a:off x="0" y="3680323"/>
+            <a:ext cx="3699051" cy="1936706"/>
+          </a:xfrm>
+          <a:prstGeom prst="rect">
+            <a:avLst/>
+          </a:prstGeom>
+        </p:spPr>
+      </p:pic>
     </p:spTree>
     <p:extLst>
       <p:ext uri="{BB962C8B-B14F-4D97-AF65-F5344CB8AC3E}">
-        <p14:creationId xmlns:p14="http://schemas.microsoft.com/office/powerpoint/2010/main" val="2584098858"/>
+        <p14:creationId xmlns:p14="http://schemas.microsoft.com/office/powerpoint/2010/main" val="2342191964"/>
       </p:ext>
     </p:extLst>
   </p:cSld>
   <p:clrMapOvr>
     <a:masterClrMapping/>
   </p:clrMapOvr>
+  <p:timing>
+    <p:tnLst>
+      <p:par>
+        <p:cTn id="1" dur="indefinite" restart="never" nodeType="tmRoot"/>
+      </p:par>
+    </p:tnLst>
+  </p:timing>
 </p:sld>
 </file>
 
@@ -4332,6 +5187,73 @@
         </p:nvSpPr>
         <p:spPr>
           <a:xfrm>
+            <a:off x="3732245" y="1651518"/>
+            <a:ext cx="895739" cy="369332"/>
+          </a:xfrm>
+          <a:prstGeom prst="rect">
+            <a:avLst/>
+          </a:prstGeom>
+          <a:noFill/>
+        </p:spPr>
+        <p:txBody>
+          <a:bodyPr wrap="square" rtlCol="0">
+            <a:spAutoFit/>
+          </a:bodyPr>
+          <a:lstStyle/>
+          <a:p>
+            <a:r>
+              <a:rPr lang="en-IN" dirty="0" smtClean="0"/>
+              <a:t>Docker</a:t>
+            </a:r>
+            <a:endParaRPr lang="en-IN" dirty="0"/>
+          </a:p>
+        </p:txBody>
+      </p:sp>
+    </p:spTree>
+    <p:extLst>
+      <p:ext uri="{BB962C8B-B14F-4D97-AF65-F5344CB8AC3E}">
+        <p14:creationId xmlns:p14="http://schemas.microsoft.com/office/powerpoint/2010/main" val="2584098858"/>
+      </p:ext>
+    </p:extLst>
+  </p:cSld>
+  <p:clrMapOvr>
+    <a:masterClrMapping/>
+  </p:clrMapOvr>
+  <p:timing>
+    <p:tnLst>
+      <p:par>
+        <p:cTn id="1" dur="indefinite" restart="never" nodeType="tmRoot"/>
+      </p:par>
+    </p:tnLst>
+  </p:timing>
+</p:sld>
+</file>
+
+<file path=ppt/slides/slide15.xml><?xml version="1.0" encoding="utf-8"?>
+<p:sld xmlns:a="http://schemas.openxmlformats.org/drawingml/2006/main" xmlns:r="http://schemas.openxmlformats.org/officeDocument/2006/relationships" xmlns:p="http://schemas.openxmlformats.org/presentationml/2006/main">
+  <p:cSld>
+    <p:spTree>
+      <p:nvGrpSpPr>
+        <p:cNvPr id="1" name=""/>
+        <p:cNvGrpSpPr/>
+        <p:nvPr/>
+      </p:nvGrpSpPr>
+      <p:grpSpPr>
+        <a:xfrm>
+          <a:off x="0" y="0"/>
+          <a:ext cx="0" cy="0"/>
+          <a:chOff x="0" y="0"/>
+          <a:chExt cx="0" cy="0"/>
+        </a:xfrm>
+      </p:grpSpPr>
+      <p:sp>
+        <p:nvSpPr>
+          <p:cNvPr id="2" name="TextBox 1"/>
+          <p:cNvSpPr txBox="1"/>
+          <p:nvPr/>
+        </p:nvSpPr>
+        <p:spPr>
+          <a:xfrm>
             <a:off x="4376057" y="1744824"/>
             <a:ext cx="1001877" cy="369332"/>
           </a:xfrm>
@@ -4367,7 +5289,7 @@
 </p:sld>
 </file>
 
-<file path=ppt/slides/slide15.xml><?xml version="1.0" encoding="utf-8"?>
+<file path=ppt/slides/slide16.xml><?xml version="1.0" encoding="utf-8"?>
 <p:sld xmlns:a="http://schemas.openxmlformats.org/drawingml/2006/main" xmlns:r="http://schemas.openxmlformats.org/officeDocument/2006/relationships" xmlns:p="http://schemas.openxmlformats.org/presentationml/2006/main">
   <p:cSld>
     <p:spTree>
@@ -4397,7 +5319,7 @@
 </p:sld>
 </file>
 
-<file path=ppt/slides/slide16.xml><?xml version="1.0" encoding="utf-8"?>
+<file path=ppt/slides/slide17.xml><?xml version="1.0" encoding="utf-8"?>
 <p:sld xmlns:a="http://schemas.openxmlformats.org/drawingml/2006/main" xmlns:r="http://schemas.openxmlformats.org/officeDocument/2006/relationships" xmlns:p="http://schemas.openxmlformats.org/presentationml/2006/main">
   <p:cSld>
     <p:spTree>
@@ -4444,16 +5366,46 @@
           <a:chExt cx="0" cy="0"/>
         </a:xfrm>
       </p:grpSpPr>
-      <p:sp>
-        <p:nvSpPr>
-          <p:cNvPr id="2" name="TextBox 1"/>
-          <p:cNvSpPr txBox="1"/>
+      <p:pic>
+        <p:nvPicPr>
+          <p:cNvPr id="3" name="Picture 2"/>
+          <p:cNvPicPr>
+            <a:picLocks noChangeAspect="1"/>
+          </p:cNvPicPr>
           <p:nvPr/>
-        </p:nvSpPr>
-        <p:spPr>
-          <a:xfrm flipH="1">
-            <a:off x="4962952" y="2323322"/>
-            <a:ext cx="1437848" cy="369332"/>
+        </p:nvPicPr>
+        <p:blipFill>
+          <a:blip r:embed="rId2">
+            <a:extLst>
+              <a:ext uri="{28A0092B-C50C-407E-A947-70E740481C1C}">
+                <a14:useLocalDpi xmlns:a14="http://schemas.microsoft.com/office/drawing/2010/main" val="0"/>
+              </a:ext>
+            </a:extLst>
+          </a:blip>
+          <a:stretch>
+            <a:fillRect/>
+          </a:stretch>
+        </p:blipFill>
+        <p:spPr>
+          <a:xfrm>
+            <a:off x="5097624" y="2230016"/>
+            <a:ext cx="7094377" cy="3990587"/>
+          </a:xfrm>
+          <a:prstGeom prst="rect">
+            <a:avLst/>
+          </a:prstGeom>
+        </p:spPr>
+      </p:pic>
+      <p:sp>
+        <p:nvSpPr>
+          <p:cNvPr id="4" name="Rectangle 3"/>
+          <p:cNvSpPr/>
+          <p:nvPr/>
+        </p:nvSpPr>
+        <p:spPr>
+          <a:xfrm>
+            <a:off x="3749336" y="0"/>
+            <a:ext cx="4730655" cy="923330"/>
           </a:xfrm>
           <a:prstGeom prst="rect">
             <a:avLst/>
@@ -4461,14 +5413,170 @@
           <a:noFill/>
         </p:spPr>
         <p:txBody>
+          <a:bodyPr wrap="none" lIns="91440" tIns="45720" rIns="91440" bIns="45720">
+            <a:spAutoFit/>
+          </a:bodyPr>
+          <a:lstStyle/>
+          <a:p>
+            <a:pPr algn="ctr"/>
+            <a:r>
+              <a:rPr lang="en-US" sz="5400" b="1" cap="none" spc="0" dirty="0" smtClean="0">
+                <a:ln w="12700">
+                  <a:solidFill>
+                    <a:schemeClr val="accent3">
+                      <a:lumMod val="50000"/>
+                    </a:schemeClr>
+                  </a:solidFill>
+                  <a:prstDash val="solid"/>
+                </a:ln>
+                <a:pattFill prst="narHorz">
+                  <a:fgClr>
+                    <a:schemeClr val="accent3"/>
+                  </a:fgClr>
+                  <a:bgClr>
+                    <a:schemeClr val="accent3">
+                      <a:lumMod val="40000"/>
+                      <a:lumOff val="60000"/>
+                    </a:schemeClr>
+                  </a:bgClr>
+                </a:pattFill>
+                <a:effectLst>
+                  <a:innerShdw blurRad="177800">
+                    <a:schemeClr val="accent3">
+                      <a:lumMod val="50000"/>
+                    </a:schemeClr>
+                  </a:innerShdw>
+                </a:effectLst>
+              </a:rPr>
+              <a:t>INTRODUCTION</a:t>
+            </a:r>
+            <a:endParaRPr lang="en-US" sz="5400" b="1" cap="none" spc="0" dirty="0">
+              <a:ln w="12700">
+                <a:solidFill>
+                  <a:schemeClr val="accent3">
+                    <a:lumMod val="50000"/>
+                  </a:schemeClr>
+                </a:solidFill>
+                <a:prstDash val="solid"/>
+              </a:ln>
+              <a:pattFill prst="narHorz">
+                <a:fgClr>
+                  <a:schemeClr val="accent3"/>
+                </a:fgClr>
+                <a:bgClr>
+                  <a:schemeClr val="accent3">
+                    <a:lumMod val="40000"/>
+                    <a:lumOff val="60000"/>
+                  </a:schemeClr>
+                </a:bgClr>
+              </a:pattFill>
+              <a:effectLst>
+                <a:innerShdw blurRad="177800">
+                  <a:schemeClr val="accent3">
+                    <a:lumMod val="50000"/>
+                  </a:schemeClr>
+                </a:innerShdw>
+              </a:effectLst>
+            </a:endParaRPr>
+          </a:p>
+        </p:txBody>
+      </p:sp>
+      <p:sp>
+        <p:nvSpPr>
+          <p:cNvPr id="6" name="TextBox 5"/>
+          <p:cNvSpPr txBox="1"/>
+          <p:nvPr/>
+        </p:nvSpPr>
+        <p:spPr>
+          <a:xfrm>
+            <a:off x="685608" y="1148383"/>
+            <a:ext cx="10763054" cy="2169825"/>
+          </a:xfrm>
+          <a:prstGeom prst="rect">
+            <a:avLst/>
+          </a:prstGeom>
+          <a:noFill/>
+        </p:spPr>
+        <p:txBody>
           <a:bodyPr wrap="square" rtlCol="0">
             <a:spAutoFit/>
           </a:bodyPr>
           <a:lstStyle/>
           <a:p>
-            <a:r>
-              <a:rPr lang="en-IN" dirty="0" smtClean="0"/>
-              <a:t>Introduction</a:t>
+            <a:pPr>
+              <a:lnSpc>
+                <a:spcPct val="150000"/>
+              </a:lnSpc>
+            </a:pPr>
+            <a:r>
+              <a:rPr lang="en-US" dirty="0"/>
+              <a:t>AI (Artificial Intelligence) is the creation of intelligent machines that can perform tasks that typically require human intelligence. </a:t>
+            </a:r>
+            <a:endParaRPr lang="en-US" dirty="0" smtClean="0"/>
+          </a:p>
+          <a:p>
+            <a:pPr>
+              <a:lnSpc>
+                <a:spcPct val="150000"/>
+              </a:lnSpc>
+            </a:pPr>
+            <a:r>
+              <a:rPr lang="en-US" dirty="0" smtClean="0"/>
+              <a:t>AI </a:t>
+            </a:r>
+            <a:r>
+              <a:rPr lang="en-US" dirty="0" err="1"/>
+              <a:t>chatbots</a:t>
+            </a:r>
+            <a:r>
+              <a:rPr lang="en-US" dirty="0"/>
+              <a:t> are computer programs that use AI algorithms to simulate human-like conversations with users. They can be trained to understand natural language and respond to customer inquiries, provide support, and even make recommendations</a:t>
+            </a:r>
+            <a:r>
+              <a:rPr lang="en-US" dirty="0" smtClean="0"/>
+              <a:t>.</a:t>
+            </a:r>
+          </a:p>
+        </p:txBody>
+      </p:sp>
+      <p:sp>
+        <p:nvSpPr>
+          <p:cNvPr id="7" name="TextBox 6"/>
+          <p:cNvSpPr txBox="1"/>
+          <p:nvPr/>
+        </p:nvSpPr>
+        <p:spPr>
+          <a:xfrm>
+            <a:off x="685608" y="3318208"/>
+            <a:ext cx="5453935" cy="1711366"/>
+          </a:xfrm>
+          <a:prstGeom prst="rect">
+            <a:avLst/>
+          </a:prstGeom>
+          <a:noFill/>
+        </p:spPr>
+        <p:txBody>
+          <a:bodyPr wrap="square" rtlCol="0">
+            <a:spAutoFit/>
+          </a:bodyPr>
+          <a:lstStyle/>
+          <a:p>
+            <a:pPr>
+              <a:lnSpc>
+                <a:spcPct val="150000"/>
+              </a:lnSpc>
+            </a:pPr>
+            <a:r>
+              <a:rPr lang="en-US" dirty="0"/>
+              <a:t>AI </a:t>
+            </a:r>
+            <a:r>
+              <a:rPr lang="en-US" dirty="0" err="1"/>
+              <a:t>chatbots</a:t>
+            </a:r>
+            <a:r>
+              <a:rPr lang="en-US" dirty="0"/>
+              <a:t> have the potential to revolutionize the way businesses interact with their customers, improving efficiency, reducing costs, and enhancing the overall customer experience</a:t>
             </a:r>
             <a:endParaRPr lang="en-IN" dirty="0"/>
           </a:p>
@@ -4484,6 +5592,13 @@
   <p:clrMapOvr>
     <a:masterClrMapping/>
   </p:clrMapOvr>
+  <p:timing>
+    <p:tnLst>
+      <p:par>
+        <p:cTn id="1" dur="indefinite" restart="never" nodeType="tmRoot"/>
+      </p:par>
+    </p:tnLst>
+  </p:timing>
 </p:sld>
 </file>
 
@@ -4504,46 +5619,53 @@
           <a:chExt cx="0" cy="0"/>
         </a:xfrm>
       </p:grpSpPr>
-      <p:sp>
-        <p:nvSpPr>
-          <p:cNvPr id="2" name="TextBox 1"/>
-          <p:cNvSpPr txBox="1"/>
+      <p:pic>
+        <p:nvPicPr>
+          <p:cNvPr id="2" name="Picture 1"/>
+          <p:cNvPicPr>
+            <a:picLocks noChangeAspect="1"/>
+          </p:cNvPicPr>
           <p:nvPr/>
-        </p:nvSpPr>
-        <p:spPr>
-          <a:xfrm>
-            <a:off x="4282751" y="1166327"/>
-            <a:ext cx="1381597" cy="369332"/>
+        </p:nvPicPr>
+        <p:blipFill>
+          <a:blip r:embed="rId2">
+            <a:extLst>
+              <a:ext uri="{28A0092B-C50C-407E-A947-70E740481C1C}">
+                <a14:useLocalDpi xmlns:a14="http://schemas.microsoft.com/office/drawing/2010/main" val="0"/>
+              </a:ext>
+            </a:extLst>
+          </a:blip>
+          <a:stretch>
+            <a:fillRect/>
+          </a:stretch>
+        </p:blipFill>
+        <p:spPr>
+          <a:xfrm>
+            <a:off x="2948473" y="103771"/>
+            <a:ext cx="5924940" cy="6175731"/>
           </a:xfrm>
           <a:prstGeom prst="rect">
             <a:avLst/>
           </a:prstGeom>
-          <a:noFill/>
-        </p:spPr>
-        <p:txBody>
-          <a:bodyPr wrap="none" rtlCol="0">
-            <a:spAutoFit/>
-          </a:bodyPr>
-          <a:lstStyle/>
-          <a:p>
-            <a:r>
-              <a:rPr lang="en-IN" dirty="0" smtClean="0"/>
-              <a:t>Components</a:t>
-            </a:r>
-            <a:endParaRPr lang="en-IN" dirty="0"/>
-          </a:p>
-        </p:txBody>
-      </p:sp>
+        </p:spPr>
+      </p:pic>
     </p:spTree>
     <p:extLst>
       <p:ext uri="{BB962C8B-B14F-4D97-AF65-F5344CB8AC3E}">
-        <p14:creationId xmlns:p14="http://schemas.microsoft.com/office/powerpoint/2010/main" val="3896325872"/>
+        <p14:creationId xmlns:p14="http://schemas.microsoft.com/office/powerpoint/2010/main" val="2857496271"/>
       </p:ext>
     </p:extLst>
   </p:cSld>
   <p:clrMapOvr>
     <a:masterClrMapping/>
   </p:clrMapOvr>
+  <p:timing>
+    <p:tnLst>
+      <p:par>
+        <p:cTn id="1" dur="indefinite" restart="never" nodeType="tmRoot"/>
+      </p:par>
+    </p:tnLst>
+  </p:timing>
 </p:sld>
 </file>
 
@@ -4566,14 +5688,14 @@
       </p:grpSpPr>
       <p:sp>
         <p:nvSpPr>
-          <p:cNvPr id="2" name="TextBox 1"/>
-          <p:cNvSpPr txBox="1"/>
+          <p:cNvPr id="3" name="Rectangle 2"/>
+          <p:cNvSpPr/>
           <p:nvPr/>
         </p:nvSpPr>
         <p:spPr>
           <a:xfrm>
-            <a:off x="4413380" y="1492898"/>
-            <a:ext cx="1802353" cy="369332"/>
+            <a:off x="4114902" y="0"/>
+            <a:ext cx="4298101" cy="923330"/>
           </a:xfrm>
           <a:prstGeom prst="rect">
             <a:avLst/>
@@ -4581,49 +5703,44 @@
           <a:noFill/>
         </p:spPr>
         <p:txBody>
-          <a:bodyPr wrap="none" rtlCol="0">
+          <a:bodyPr wrap="none" lIns="91440" tIns="45720" rIns="91440" bIns="45720">
             <a:spAutoFit/>
           </a:bodyPr>
           <a:lstStyle/>
           <a:p>
-            <a:r>
-              <a:rPr lang="en-IN" dirty="0" smtClean="0"/>
-              <a:t>Key selling points</a:t>
-            </a:r>
-            <a:endParaRPr lang="en-IN" dirty="0"/>
-          </a:p>
-        </p:txBody>
-      </p:sp>
-    </p:spTree>
-    <p:extLst>
-      <p:ext uri="{BB962C8B-B14F-4D97-AF65-F5344CB8AC3E}">
-        <p14:creationId xmlns:p14="http://schemas.microsoft.com/office/powerpoint/2010/main" val="2301434591"/>
-      </p:ext>
-    </p:extLst>
-  </p:cSld>
-  <p:clrMapOvr>
-    <a:masterClrMapping/>
-  </p:clrMapOvr>
-</p:sld>
-</file>
-
-<file path=ppt/slides/slide5.xml><?xml version="1.0" encoding="utf-8"?>
-<p:sld xmlns:a="http://schemas.openxmlformats.org/drawingml/2006/main" xmlns:r="http://schemas.openxmlformats.org/officeDocument/2006/relationships" xmlns:p="http://schemas.openxmlformats.org/presentationml/2006/main">
-  <p:cSld>
-    <p:spTree>
-      <p:nvGrpSpPr>
-        <p:cNvPr id="1" name=""/>
-        <p:cNvGrpSpPr/>
-        <p:nvPr/>
-      </p:nvGrpSpPr>
-      <p:grpSpPr>
-        <a:xfrm>
-          <a:off x="0" y="0"/>
-          <a:ext cx="0" cy="0"/>
-          <a:chOff x="0" y="0"/>
-          <a:chExt cx="0" cy="0"/>
-        </a:xfrm>
-      </p:grpSpPr>
+            <a:pPr algn="ctr"/>
+            <a:r>
+              <a:rPr lang="en-US" sz="5400" b="0" cap="none" spc="0" dirty="0" smtClean="0">
+                <a:ln w="0"/>
+                <a:solidFill>
+                  <a:schemeClr val="accent1"/>
+                </a:solidFill>
+                <a:effectLst>
+                  <a:outerShdw blurRad="38100" dist="25400" dir="5400000" algn="ctr" rotWithShape="0">
+                    <a:srgbClr val="6E747A">
+                      <a:alpha val="43000"/>
+                    </a:srgbClr>
+                  </a:outerShdw>
+                </a:effectLst>
+              </a:rPr>
+              <a:t>COMPONENTS</a:t>
+            </a:r>
+            <a:endParaRPr lang="en-US" sz="5400" b="0" cap="none" spc="0" dirty="0">
+              <a:ln w="0"/>
+              <a:solidFill>
+                <a:schemeClr val="accent1"/>
+              </a:solidFill>
+              <a:effectLst>
+                <a:outerShdw blurRad="38100" dist="25400" dir="5400000" algn="ctr" rotWithShape="0">
+                  <a:srgbClr val="6E747A">
+                    <a:alpha val="43000"/>
+                  </a:srgbClr>
+                </a:outerShdw>
+              </a:effectLst>
+            </a:endParaRPr>
+          </a:p>
+        </p:txBody>
+      </p:sp>
       <p:pic>
         <p:nvPicPr>
           <p:cNvPr id="4" name="Picture 3"/>
@@ -4646,8 +5763,8 @@
         </p:blipFill>
         <p:spPr>
           <a:xfrm>
-            <a:off x="1520888" y="1445078"/>
-            <a:ext cx="4432568" cy="2122092"/>
+            <a:off x="7473820" y="1239368"/>
+            <a:ext cx="4718180" cy="2258828"/>
           </a:xfrm>
           <a:prstGeom prst="rect">
             <a:avLst/>
@@ -4676,7 +5793,7 @@
         </p:blipFill>
         <p:spPr>
           <a:xfrm>
-            <a:off x="6214189" y="1591492"/>
+            <a:off x="688938" y="1257411"/>
             <a:ext cx="3498979" cy="1836963"/>
           </a:xfrm>
           <a:prstGeom prst="rect">
@@ -4684,16 +5801,143 @@
           </a:prstGeom>
         </p:spPr>
       </p:pic>
-      <p:sp>
-        <p:nvSpPr>
-          <p:cNvPr id="6" name="TextBox 5"/>
+      <p:pic>
+        <p:nvPicPr>
+          <p:cNvPr id="6" name="Picture 5"/>
+          <p:cNvPicPr>
+            <a:picLocks noChangeAspect="1"/>
+          </p:cNvPicPr>
+          <p:nvPr/>
+        </p:nvPicPr>
+        <p:blipFill>
+          <a:blip r:embed="rId4" cstate="print">
+            <a:extLst>
+              <a:ext uri="{28A0092B-C50C-407E-A947-70E740481C1C}">
+                <a14:useLocalDpi xmlns:a14="http://schemas.microsoft.com/office/drawing/2010/main" val="0"/>
+              </a:ext>
+            </a:extLst>
+          </a:blip>
+          <a:stretch>
+            <a:fillRect/>
+          </a:stretch>
+        </p:blipFill>
+        <p:spPr>
+          <a:xfrm>
+            <a:off x="492995" y="3498195"/>
+            <a:ext cx="4081098" cy="2388637"/>
+          </a:xfrm>
+          <a:prstGeom prst="rect">
+            <a:avLst/>
+          </a:prstGeom>
+        </p:spPr>
+      </p:pic>
+      <p:pic>
+        <p:nvPicPr>
+          <p:cNvPr id="7" name="Picture 6"/>
+          <p:cNvPicPr>
+            <a:picLocks noChangeAspect="1"/>
+          </p:cNvPicPr>
+          <p:nvPr/>
+        </p:nvPicPr>
+        <p:blipFill>
+          <a:blip r:embed="rId5" cstate="print">
+            <a:extLst>
+              <a:ext uri="{28A0092B-C50C-407E-A947-70E740481C1C}">
+                <a14:useLocalDpi xmlns:a14="http://schemas.microsoft.com/office/drawing/2010/main" val="0"/>
+              </a:ext>
+            </a:extLst>
+          </a:blip>
+          <a:stretch>
+            <a:fillRect/>
+          </a:stretch>
+        </p:blipFill>
+        <p:spPr>
+          <a:xfrm>
+            <a:off x="7030480" y="4532485"/>
+            <a:ext cx="4890738" cy="1073670"/>
+          </a:xfrm>
+          <a:prstGeom prst="rect">
+            <a:avLst/>
+          </a:prstGeom>
+        </p:spPr>
+      </p:pic>
+      <p:pic>
+        <p:nvPicPr>
+          <p:cNvPr id="11" name="Picture 10"/>
+          <p:cNvPicPr>
+            <a:picLocks noChangeAspect="1"/>
+          </p:cNvPicPr>
+          <p:nvPr/>
+        </p:nvPicPr>
+        <p:blipFill>
+          <a:blip r:embed="rId6" cstate="print">
+            <a:extLst>
+              <a:ext uri="{28A0092B-C50C-407E-A947-70E740481C1C}">
+                <a14:useLocalDpi xmlns:a14="http://schemas.microsoft.com/office/drawing/2010/main" val="0"/>
+              </a:ext>
+            </a:extLst>
+          </a:blip>
+          <a:stretch>
+            <a:fillRect/>
+          </a:stretch>
+        </p:blipFill>
+        <p:spPr>
+          <a:xfrm>
+            <a:off x="4637587" y="1957620"/>
+            <a:ext cx="3508021" cy="2633041"/>
+          </a:xfrm>
+          <a:prstGeom prst="rect">
+            <a:avLst/>
+          </a:prstGeom>
+        </p:spPr>
+      </p:pic>
+    </p:spTree>
+    <p:extLst>
+      <p:ext uri="{BB962C8B-B14F-4D97-AF65-F5344CB8AC3E}">
+        <p14:creationId xmlns:p14="http://schemas.microsoft.com/office/powerpoint/2010/main" val="3896325872"/>
+      </p:ext>
+    </p:extLst>
+  </p:cSld>
+  <p:clrMapOvr>
+    <a:masterClrMapping/>
+  </p:clrMapOvr>
+  <p:timing>
+    <p:tnLst>
+      <p:par>
+        <p:cTn id="1" dur="indefinite" restart="never" nodeType="tmRoot"/>
+      </p:par>
+    </p:tnLst>
+  </p:timing>
+</p:sld>
+</file>
+
+<file path=ppt/slides/slide5.xml><?xml version="1.0" encoding="utf-8"?>
+<p:sld xmlns:a="http://schemas.openxmlformats.org/drawingml/2006/main" xmlns:r="http://schemas.openxmlformats.org/officeDocument/2006/relationships" xmlns:p="http://schemas.openxmlformats.org/presentationml/2006/main">
+  <p:cSld>
+    <p:spTree>
+      <p:nvGrpSpPr>
+        <p:cNvPr id="1" name=""/>
+        <p:cNvGrpSpPr/>
+        <p:nvPr/>
+      </p:nvGrpSpPr>
+      <p:grpSpPr>
+        <a:xfrm>
+          <a:off x="0" y="0"/>
+          <a:ext cx="0" cy="0"/>
+          <a:chOff x="0" y="0"/>
+          <a:chExt cx="0" cy="0"/>
+        </a:xfrm>
+      </p:grpSpPr>
+      <p:sp>
+        <p:nvSpPr>
+          <p:cNvPr id="2" name="TextBox 1"/>
           <p:cNvSpPr txBox="1"/>
           <p:nvPr/>
         </p:nvSpPr>
         <p:spPr>
           <a:xfrm>
-            <a:off x="1884739" y="4346490"/>
-            <a:ext cx="3704866" cy="1200329"/>
+            <a:off x="4413380" y="1492898"/>
+            <a:ext cx="1802353" cy="369332"/>
           </a:xfrm>
           <a:prstGeom prst="rect">
             <a:avLst/>
@@ -4701,121 +5945,23 @@
           <a:noFill/>
         </p:spPr>
         <p:txBody>
-          <a:bodyPr wrap="square" rtlCol="0">
+          <a:bodyPr wrap="none" rtlCol="0">
             <a:spAutoFit/>
           </a:bodyPr>
           <a:lstStyle/>
           <a:p>
             <a:r>
-              <a:rPr lang="en-US" dirty="0"/>
-              <a:t>Haystack is an </a:t>
-            </a:r>
-            <a:r>
-              <a:rPr lang="en-US" b="1" dirty="0"/>
-              <a:t>open-source framework</a:t>
-            </a:r>
-            <a:r>
-              <a:rPr lang="en-US" dirty="0"/>
-              <a:t> for building </a:t>
-            </a:r>
-            <a:r>
-              <a:rPr lang="en-US" b="1" dirty="0"/>
-              <a:t>search systems</a:t>
-            </a:r>
-            <a:r>
-              <a:rPr lang="en-US" dirty="0"/>
-              <a:t> that work intelligently over large document collections.</a:t>
+              <a:rPr lang="en-IN" dirty="0" smtClean="0"/>
+              <a:t>Key selling points</a:t>
             </a:r>
             <a:endParaRPr lang="en-IN" dirty="0"/>
-          </a:p>
-        </p:txBody>
-      </p:sp>
-      <p:sp>
-        <p:nvSpPr>
-          <p:cNvPr id="7" name="TextBox 6"/>
-          <p:cNvSpPr txBox="1"/>
-          <p:nvPr/>
-        </p:nvSpPr>
-        <p:spPr>
-          <a:xfrm>
-            <a:off x="6102706" y="4346490"/>
-            <a:ext cx="4514267" cy="1477328"/>
-          </a:xfrm>
-          <a:prstGeom prst="rect">
-            <a:avLst/>
-          </a:prstGeom>
-          <a:noFill/>
-        </p:spPr>
-        <p:txBody>
-          <a:bodyPr wrap="square" rtlCol="0">
-            <a:spAutoFit/>
-          </a:bodyPr>
-          <a:lstStyle/>
-          <a:p>
-            <a:r>
-              <a:rPr lang="en-US" dirty="0"/>
-              <a:t>Rasa Open Source is an open source conversational AI platform that allows you to understand and hold conversations, and connect to messaging channels and third party systems through a set of APIs.</a:t>
-            </a:r>
-            <a:endParaRPr lang="en-IN" dirty="0"/>
-          </a:p>
-        </p:txBody>
-      </p:sp>
-      <p:sp>
-        <p:nvSpPr>
-          <p:cNvPr id="8" name="Rectangle 7"/>
-          <p:cNvSpPr/>
-          <p:nvPr/>
-        </p:nvSpPr>
-        <p:spPr>
-          <a:xfrm>
-            <a:off x="4115997" y="278502"/>
-            <a:ext cx="3674917" cy="923330"/>
-          </a:xfrm>
-          <a:prstGeom prst="rect">
-            <a:avLst/>
-          </a:prstGeom>
-          <a:noFill/>
-        </p:spPr>
-        <p:txBody>
-          <a:bodyPr wrap="none" lIns="91440" tIns="45720" rIns="91440" bIns="45720">
-            <a:spAutoFit/>
-          </a:bodyPr>
-          <a:lstStyle/>
-          <a:p>
-            <a:pPr algn="ctr"/>
-            <a:r>
-              <a:rPr lang="en-IN" sz="5400" dirty="0" smtClean="0">
-                <a:solidFill>
-                  <a:schemeClr val="tx1"/>
-                </a:solidFill>
-              </a:rPr>
-              <a:t>Onprem-bot</a:t>
-            </a:r>
-            <a:endParaRPr lang="en-US" sz="5400" b="1" cap="none" spc="0" dirty="0">
-              <a:ln w="9525">
-                <a:solidFill>
-                  <a:schemeClr val="bg1"/>
-                </a:solidFill>
-                <a:prstDash val="solid"/>
-              </a:ln>
-              <a:solidFill>
-                <a:schemeClr val="tx1"/>
-              </a:solidFill>
-              <a:effectLst>
-                <a:outerShdw blurRad="12700" dist="38100" dir="2700000" algn="tl" rotWithShape="0">
-                  <a:schemeClr val="bg1">
-                    <a:lumMod val="50000"/>
-                  </a:schemeClr>
-                </a:outerShdw>
-              </a:effectLst>
-            </a:endParaRPr>
           </a:p>
         </p:txBody>
       </p:sp>
     </p:spTree>
     <p:extLst>
       <p:ext uri="{BB962C8B-B14F-4D97-AF65-F5344CB8AC3E}">
-        <p14:creationId xmlns:p14="http://schemas.microsoft.com/office/powerpoint/2010/main" val="3799717791"/>
+        <p14:creationId xmlns:p14="http://schemas.microsoft.com/office/powerpoint/2010/main" val="2301434591"/>
       </p:ext>
     </p:extLst>
   </p:cSld>
@@ -4849,71 +5995,16 @@
           <a:chExt cx="0" cy="0"/>
         </a:xfrm>
       </p:grpSpPr>
-      <p:sp>
-        <p:nvSpPr>
-          <p:cNvPr id="2" name="Rectangle 1"/>
-          <p:cNvSpPr/>
-          <p:nvPr/>
-        </p:nvSpPr>
-        <p:spPr>
-          <a:xfrm>
-            <a:off x="5379696" y="252127"/>
-            <a:ext cx="1675202" cy="923330"/>
-          </a:xfrm>
-          <a:prstGeom prst="rect">
-            <a:avLst/>
-          </a:prstGeom>
-          <a:noFill/>
-        </p:spPr>
-        <p:txBody>
-          <a:bodyPr wrap="none" lIns="91440" tIns="45720" rIns="91440" bIns="45720">
-            <a:spAutoFit/>
-          </a:bodyPr>
-          <a:lstStyle/>
-          <a:p>
-            <a:pPr algn="ctr"/>
-            <a:r>
-              <a:rPr lang="en-US" sz="5400" b="0" cap="none" spc="0" dirty="0" smtClean="0">
-                <a:ln w="0"/>
-                <a:solidFill>
-                  <a:schemeClr val="accent1"/>
-                </a:solidFill>
-                <a:effectLst>
-                  <a:outerShdw blurRad="38100" dist="25400" dir="5400000" algn="ctr" rotWithShape="0">
-                    <a:srgbClr val="6E747A">
-                      <a:alpha val="43000"/>
-                    </a:srgbClr>
-                  </a:outerShdw>
-                </a:effectLst>
-              </a:rPr>
-              <a:t>RASA</a:t>
-            </a:r>
-            <a:endParaRPr lang="en-US" sz="5400" b="0" cap="none" spc="0" dirty="0">
-              <a:ln w="0"/>
-              <a:solidFill>
-                <a:schemeClr val="accent1"/>
-              </a:solidFill>
-              <a:effectLst>
-                <a:outerShdw blurRad="38100" dist="25400" dir="5400000" algn="ctr" rotWithShape="0">
-                  <a:srgbClr val="6E747A">
-                    <a:alpha val="43000"/>
-                  </a:srgbClr>
-                </a:outerShdw>
-              </a:effectLst>
-            </a:endParaRPr>
-          </a:p>
-        </p:txBody>
-      </p:sp>
       <p:pic>
         <p:nvPicPr>
-          <p:cNvPr id="3" name="Picture 2"/>
+          <p:cNvPr id="5" name="Picture 4"/>
           <p:cNvPicPr>
             <a:picLocks noChangeAspect="1"/>
           </p:cNvPicPr>
           <p:nvPr/>
         </p:nvPicPr>
         <p:blipFill>
-          <a:blip r:embed="rId2">
+          <a:blip r:embed="rId2" cstate="print">
             <a:extLst>
               <a:ext uri="{28A0092B-C50C-407E-A947-70E740481C1C}">
                 <a14:useLocalDpi xmlns:a14="http://schemas.microsoft.com/office/drawing/2010/main" val="0"/>
@@ -4926,8 +6017,150 @@
         </p:blipFill>
         <p:spPr>
           <a:xfrm>
-            <a:off x="2197017" y="1082351"/>
-            <a:ext cx="8040560" cy="5055517"/>
+            <a:off x="4789284" y="1600589"/>
+            <a:ext cx="4433079" cy="2327365"/>
+          </a:xfrm>
+          <a:prstGeom prst="rect">
+            <a:avLst/>
+          </a:prstGeom>
+        </p:spPr>
+      </p:pic>
+      <p:sp>
+        <p:nvSpPr>
+          <p:cNvPr id="7" name="TextBox 6"/>
+          <p:cNvSpPr txBox="1"/>
+          <p:nvPr/>
+        </p:nvSpPr>
+        <p:spPr>
+          <a:xfrm>
+            <a:off x="1778114" y="4449127"/>
+            <a:ext cx="8872149" cy="923330"/>
+          </a:xfrm>
+          <a:prstGeom prst="rect">
+            <a:avLst/>
+          </a:prstGeom>
+          <a:noFill/>
+        </p:spPr>
+        <p:txBody>
+          <a:bodyPr wrap="square" rtlCol="0">
+            <a:spAutoFit/>
+          </a:bodyPr>
+          <a:lstStyle/>
+          <a:p>
+            <a:r>
+              <a:rPr lang="en-US" dirty="0"/>
+              <a:t>Rasa Open Source is an open source conversational AI platform that allows you to understand and hold conversations, and connect to messaging channels and third party systems through a set of APIs.</a:t>
+            </a:r>
+            <a:endParaRPr lang="en-IN" dirty="0"/>
+          </a:p>
+        </p:txBody>
+      </p:sp>
+      <p:sp>
+        <p:nvSpPr>
+          <p:cNvPr id="8" name="Rectangle 7"/>
+          <p:cNvSpPr/>
+          <p:nvPr/>
+        </p:nvSpPr>
+        <p:spPr>
+          <a:xfrm>
+            <a:off x="5087097" y="278502"/>
+            <a:ext cx="1732718" cy="923330"/>
+          </a:xfrm>
+          <a:prstGeom prst="rect">
+            <a:avLst/>
+          </a:prstGeom>
+          <a:noFill/>
+        </p:spPr>
+        <p:txBody>
+          <a:bodyPr wrap="none" lIns="91440" tIns="45720" rIns="91440" bIns="45720">
+            <a:spAutoFit/>
+          </a:bodyPr>
+          <a:lstStyle/>
+          <a:p>
+            <a:pPr algn="ctr"/>
+            <a:r>
+              <a:rPr lang="en-IN" sz="5400" b="1" dirty="0" smtClean="0">
+                <a:solidFill>
+                  <a:srgbClr val="002060"/>
+                </a:solidFill>
+              </a:rPr>
+              <a:t>RASA</a:t>
+            </a:r>
+            <a:endParaRPr lang="en-US" sz="5400" b="1" cap="none" spc="0" dirty="0">
+              <a:ln w="9525">
+                <a:solidFill>
+                  <a:schemeClr val="bg1"/>
+                </a:solidFill>
+                <a:prstDash val="solid"/>
+              </a:ln>
+              <a:solidFill>
+                <a:srgbClr val="002060"/>
+              </a:solidFill>
+              <a:effectLst>
+                <a:outerShdw blurRad="12700" dist="38100" dir="2700000" algn="tl" rotWithShape="0">
+                  <a:schemeClr val="bg1">
+                    <a:lumMod val="50000"/>
+                  </a:schemeClr>
+                </a:outerShdw>
+              </a:effectLst>
+            </a:endParaRPr>
+          </a:p>
+        </p:txBody>
+      </p:sp>
+      <p:pic>
+        <p:nvPicPr>
+          <p:cNvPr id="10" name="Picture 9"/>
+          <p:cNvPicPr>
+            <a:picLocks noChangeAspect="1"/>
+          </p:cNvPicPr>
+          <p:nvPr/>
+        </p:nvPicPr>
+        <p:blipFill>
+          <a:blip r:embed="rId3" cstate="print">
+            <a:extLst>
+              <a:ext uri="{28A0092B-C50C-407E-A947-70E740481C1C}">
+                <a14:useLocalDpi xmlns:a14="http://schemas.microsoft.com/office/drawing/2010/main" val="0"/>
+              </a:ext>
+            </a:extLst>
+          </a:blip>
+          <a:stretch>
+            <a:fillRect/>
+          </a:stretch>
+        </p:blipFill>
+        <p:spPr>
+          <a:xfrm>
+            <a:off x="2701107" y="2895116"/>
+            <a:ext cx="1295610" cy="1303216"/>
+          </a:xfrm>
+          <a:prstGeom prst="rect">
+            <a:avLst/>
+          </a:prstGeom>
+        </p:spPr>
+      </p:pic>
+      <p:pic>
+        <p:nvPicPr>
+          <p:cNvPr id="11" name="Picture 10"/>
+          <p:cNvPicPr>
+            <a:picLocks noChangeAspect="1"/>
+          </p:cNvPicPr>
+          <p:nvPr/>
+        </p:nvPicPr>
+        <p:blipFill>
+          <a:blip r:embed="rId4" cstate="print">
+            <a:extLst>
+              <a:ext uri="{28A0092B-C50C-407E-A947-70E740481C1C}">
+                <a14:useLocalDpi xmlns:a14="http://schemas.microsoft.com/office/drawing/2010/main" val="0"/>
+              </a:ext>
+            </a:extLst>
+          </a:blip>
+          <a:stretch>
+            <a:fillRect/>
+          </a:stretch>
+        </p:blipFill>
+        <p:spPr>
+          <a:xfrm>
+            <a:off x="2845836" y="1600589"/>
+            <a:ext cx="1150881" cy="1150881"/>
           </a:xfrm>
           <a:prstGeom prst="rect">
             <a:avLst/>
@@ -4937,7 +6170,7 @@
     </p:spTree>
     <p:extLst>
       <p:ext uri="{BB962C8B-B14F-4D97-AF65-F5344CB8AC3E}">
-        <p14:creationId xmlns:p14="http://schemas.microsoft.com/office/powerpoint/2010/main" val="583200636"/>
+        <p14:creationId xmlns:p14="http://schemas.microsoft.com/office/powerpoint/2010/main" val="3799717791"/>
       </p:ext>
     </p:extLst>
   </p:cSld>
@@ -4979,8 +6212,8 @@
         </p:nvSpPr>
         <p:spPr>
           <a:xfrm>
-            <a:off x="4904913" y="158821"/>
-            <a:ext cx="2494144" cy="923330"/>
+            <a:off x="3630691" y="159021"/>
+            <a:ext cx="5173212" cy="923330"/>
           </a:xfrm>
           <a:prstGeom prst="rect">
             <a:avLst/>
@@ -4995,269 +6228,71 @@
           <a:p>
             <a:pPr algn="ctr"/>
             <a:r>
-              <a:rPr lang="en-US" sz="5400" b="1" cap="none" spc="0" dirty="0" smtClean="0">
-                <a:ln w="12700">
-                  <a:solidFill>
-                    <a:schemeClr val="accent1"/>
-                  </a:solidFill>
-                  <a:prstDash val="solid"/>
-                </a:ln>
-                <a:pattFill prst="pct50">
-                  <a:fgClr>
-                    <a:schemeClr val="accent1"/>
-                  </a:fgClr>
-                  <a:bgClr>
-                    <a:schemeClr val="accent1">
-                      <a:lumMod val="20000"/>
-                      <a:lumOff val="80000"/>
-                    </a:schemeClr>
-                  </a:bgClr>
-                </a:pattFill>
+              <a:rPr lang="en-US" sz="5400" b="0" cap="none" spc="0" dirty="0" smtClean="0">
+                <a:ln w="0"/>
+                <a:solidFill>
+                  <a:schemeClr val="accent1"/>
+                </a:solidFill>
                 <a:effectLst>
-                  <a:outerShdw dist="38100" dir="2640000" algn="bl" rotWithShape="0">
-                    <a:schemeClr val="accent1"/>
+                  <a:outerShdw blurRad="38100" dist="25400" dir="5400000" algn="ctr" rotWithShape="0">
+                    <a:srgbClr val="6E747A">
+                      <a:alpha val="43000"/>
+                    </a:srgbClr>
                   </a:outerShdw>
                 </a:effectLst>
               </a:rPr>
-              <a:t>RASA AI</a:t>
-            </a:r>
-            <a:endParaRPr lang="en-US" sz="5400" b="1" cap="none" spc="0" dirty="0">
-              <a:ln w="12700">
-                <a:solidFill>
-                  <a:schemeClr val="accent1"/>
-                </a:solidFill>
-                <a:prstDash val="solid"/>
-              </a:ln>
-              <a:pattFill prst="pct50">
-                <a:fgClr>
-                  <a:schemeClr val="accent1"/>
-                </a:fgClr>
-                <a:bgClr>
-                  <a:schemeClr val="accent1">
-                    <a:lumMod val="20000"/>
-                    <a:lumOff val="80000"/>
-                  </a:schemeClr>
-                </a:bgClr>
-              </a:pattFill>
+              <a:t>RASA STRUCTURE</a:t>
+            </a:r>
+            <a:endParaRPr lang="en-US" sz="5400" b="0" cap="none" spc="0" dirty="0">
+              <a:ln w="0"/>
+              <a:solidFill>
+                <a:schemeClr val="accent1"/>
+              </a:solidFill>
               <a:effectLst>
-                <a:outerShdw dist="38100" dir="2640000" algn="bl" rotWithShape="0">
-                  <a:schemeClr val="accent1"/>
+                <a:outerShdw blurRad="38100" dist="25400" dir="5400000" algn="ctr" rotWithShape="0">
+                  <a:srgbClr val="6E747A">
+                    <a:alpha val="43000"/>
+                  </a:srgbClr>
                 </a:outerShdw>
               </a:effectLst>
             </a:endParaRPr>
           </a:p>
         </p:txBody>
       </p:sp>
-      <p:sp>
-        <p:nvSpPr>
-          <p:cNvPr id="3" name="TextBox 2"/>
-          <p:cNvSpPr txBox="1"/>
+      <p:pic>
+        <p:nvPicPr>
+          <p:cNvPr id="3" name="Picture 2"/>
+          <p:cNvPicPr>
+            <a:picLocks noChangeAspect="1"/>
+          </p:cNvPicPr>
           <p:nvPr/>
-        </p:nvSpPr>
-        <p:spPr>
-          <a:xfrm>
-            <a:off x="2409891" y="1479819"/>
-            <a:ext cx="2109873" cy="707886"/>
+        </p:nvPicPr>
+        <p:blipFill>
+          <a:blip r:embed="rId2">
+            <a:extLst>
+              <a:ext uri="{28A0092B-C50C-407E-A947-70E740481C1C}">
+                <a14:useLocalDpi xmlns:a14="http://schemas.microsoft.com/office/drawing/2010/main" val="0"/>
+              </a:ext>
+            </a:extLst>
+          </a:blip>
+          <a:stretch>
+            <a:fillRect/>
+          </a:stretch>
+        </p:blipFill>
+        <p:spPr>
+          <a:xfrm>
+            <a:off x="1917099" y="1082351"/>
+            <a:ext cx="8327914" cy="5236191"/>
           </a:xfrm>
           <a:prstGeom prst="rect">
             <a:avLst/>
           </a:prstGeom>
-          <a:noFill/>
-        </p:spPr>
-        <p:txBody>
-          <a:bodyPr wrap="none" rtlCol="0">
-            <a:spAutoFit/>
-          </a:bodyPr>
-          <a:lstStyle/>
-          <a:p>
-            <a:r>
-              <a:rPr lang="en-IN" sz="4000" b="1" dirty="0" smtClean="0"/>
-              <a:t>Pipelines</a:t>
-            </a:r>
-            <a:endParaRPr lang="en-IN" sz="4000" b="1" dirty="0"/>
-          </a:p>
-        </p:txBody>
-      </p:sp>
-      <p:sp>
-        <p:nvSpPr>
-          <p:cNvPr id="4" name="TextBox 3"/>
-          <p:cNvSpPr txBox="1"/>
-          <p:nvPr/>
-        </p:nvSpPr>
-        <p:spPr>
-          <a:xfrm>
-            <a:off x="7578932" y="1479819"/>
-            <a:ext cx="1782604" cy="707886"/>
-          </a:xfrm>
-          <a:prstGeom prst="rect">
-            <a:avLst/>
-          </a:prstGeom>
-          <a:noFill/>
-        </p:spPr>
-        <p:txBody>
-          <a:bodyPr wrap="none" rtlCol="0">
-            <a:spAutoFit/>
-          </a:bodyPr>
-          <a:lstStyle/>
-          <a:p>
-            <a:r>
-              <a:rPr lang="en-IN" sz="4000" b="1" dirty="0" smtClean="0"/>
-              <a:t>Policies</a:t>
-            </a:r>
-            <a:endParaRPr lang="en-IN" sz="4000" b="1" dirty="0"/>
-          </a:p>
-        </p:txBody>
-      </p:sp>
-      <p:sp>
-        <p:nvSpPr>
-          <p:cNvPr id="5" name="TextBox 4"/>
-          <p:cNvSpPr txBox="1"/>
-          <p:nvPr/>
-        </p:nvSpPr>
-        <p:spPr>
-          <a:xfrm>
-            <a:off x="1823664" y="2548451"/>
-            <a:ext cx="4196726" cy="2677656"/>
-          </a:xfrm>
-          <a:prstGeom prst="rect">
-            <a:avLst/>
-          </a:prstGeom>
-          <a:noFill/>
-        </p:spPr>
-        <p:txBody>
-          <a:bodyPr wrap="none" rtlCol="0">
-            <a:spAutoFit/>
-          </a:bodyPr>
-          <a:lstStyle/>
-          <a:p>
-            <a:pPr marL="285750" indent="-285750">
-              <a:buFont typeface="Arial" panose="020B0604020202020204" pitchFamily="34" charset="0"/>
-              <a:buChar char="•"/>
-            </a:pPr>
-            <a:r>
-              <a:rPr lang="en-IN" sz="2800" dirty="0" smtClean="0"/>
-              <a:t>WhitespaceTokenizer</a:t>
-            </a:r>
-          </a:p>
-          <a:p>
-            <a:pPr marL="285750" indent="-285750">
-              <a:buFont typeface="Arial" panose="020B0604020202020204" pitchFamily="34" charset="0"/>
-              <a:buChar char="•"/>
-            </a:pPr>
-            <a:r>
-              <a:rPr lang="en-IN" sz="2800" dirty="0" smtClean="0"/>
-              <a:t>RegexFeaturizer</a:t>
-            </a:r>
-          </a:p>
-          <a:p>
-            <a:pPr marL="285750" indent="-285750">
-              <a:buFont typeface="Arial" panose="020B0604020202020204" pitchFamily="34" charset="0"/>
-              <a:buChar char="•"/>
-            </a:pPr>
-            <a:r>
-              <a:rPr lang="en-IN" sz="2800" dirty="0"/>
-              <a:t>LexicalSyntacticFeaturizer</a:t>
-            </a:r>
-          </a:p>
-          <a:p>
-            <a:pPr marL="285750" indent="-285750">
-              <a:buFont typeface="Arial" panose="020B0604020202020204" pitchFamily="34" charset="0"/>
-              <a:buChar char="•"/>
-            </a:pPr>
-            <a:r>
-              <a:rPr lang="en-IN" sz="2800" dirty="0" smtClean="0"/>
-              <a:t>CountVectorsFeaturizer</a:t>
-            </a:r>
-          </a:p>
-          <a:p>
-            <a:pPr marL="285750" indent="-285750">
-              <a:buFont typeface="Arial" panose="020B0604020202020204" pitchFamily="34" charset="0"/>
-              <a:buChar char="•"/>
-            </a:pPr>
-            <a:r>
-              <a:rPr lang="en-IN" sz="2800" dirty="0" smtClean="0"/>
-              <a:t>DIETClassifier</a:t>
-            </a:r>
-          </a:p>
-          <a:p>
-            <a:pPr marL="285750" indent="-285750">
-              <a:buFont typeface="Arial" panose="020B0604020202020204" pitchFamily="34" charset="0"/>
-              <a:buChar char="•"/>
-            </a:pPr>
-            <a:r>
-              <a:rPr lang="en-IN" sz="2800" dirty="0"/>
-              <a:t>FallbackClassifier</a:t>
-            </a:r>
-          </a:p>
-        </p:txBody>
-      </p:sp>
-      <p:sp>
-        <p:nvSpPr>
-          <p:cNvPr id="6" name="TextBox 5"/>
-          <p:cNvSpPr txBox="1"/>
-          <p:nvPr/>
-        </p:nvSpPr>
-        <p:spPr>
-          <a:xfrm>
-            <a:off x="7025014" y="2548451"/>
-            <a:ext cx="4032771" cy="1815882"/>
-          </a:xfrm>
-          <a:prstGeom prst="rect">
-            <a:avLst/>
-          </a:prstGeom>
-          <a:noFill/>
-        </p:spPr>
-        <p:txBody>
-          <a:bodyPr wrap="none" rtlCol="0">
-            <a:spAutoFit/>
-          </a:bodyPr>
-          <a:lstStyle/>
-          <a:p>
-            <a:pPr marL="285750" indent="-285750">
-              <a:buFont typeface="Arial" panose="020B0604020202020204" pitchFamily="34" charset="0"/>
-              <a:buChar char="•"/>
-            </a:pPr>
-            <a:r>
-              <a:rPr lang="en-IN" sz="2800" dirty="0" smtClean="0"/>
-              <a:t>TEDPolicy</a:t>
-            </a:r>
-          </a:p>
-          <a:p>
-            <a:pPr marL="285750" indent="-285750">
-              <a:buFont typeface="Arial" panose="020B0604020202020204" pitchFamily="34" charset="0"/>
-              <a:buChar char="•"/>
-            </a:pPr>
-            <a:r>
-              <a:rPr lang="en-IN" sz="2800" dirty="0" smtClean="0"/>
-              <a:t>Memoization Policy</a:t>
-            </a:r>
-          </a:p>
-          <a:p>
-            <a:pPr marL="285750" indent="-285750">
-              <a:buFont typeface="Arial" panose="020B0604020202020204" pitchFamily="34" charset="0"/>
-              <a:buChar char="•"/>
-            </a:pPr>
-            <a:r>
-              <a:rPr lang="en-IN" sz="2800" dirty="0" smtClean="0"/>
-              <a:t>UnexpecTEDIntentPolicy</a:t>
-            </a:r>
-          </a:p>
-          <a:p>
-            <a:pPr marL="285750" indent="-285750">
-              <a:buFont typeface="Arial" panose="020B0604020202020204" pitchFamily="34" charset="0"/>
-              <a:buChar char="•"/>
-            </a:pPr>
-            <a:r>
-              <a:rPr lang="en-IN" sz="2800" dirty="0" smtClean="0"/>
-              <a:t>RulePolicy</a:t>
-            </a:r>
-          </a:p>
-        </p:txBody>
-      </p:sp>
+        </p:spPr>
+      </p:pic>
     </p:spTree>
     <p:extLst>
       <p:ext uri="{BB962C8B-B14F-4D97-AF65-F5344CB8AC3E}">
-        <p14:creationId xmlns:p14="http://schemas.microsoft.com/office/powerpoint/2010/main" val="2553998440"/>
+        <p14:creationId xmlns:p14="http://schemas.microsoft.com/office/powerpoint/2010/main" val="583200636"/>
       </p:ext>
     </p:extLst>
   </p:cSld>
@@ -5293,14 +6328,14 @@
       </p:grpSpPr>
       <p:sp>
         <p:nvSpPr>
-          <p:cNvPr id="2" name="TextBox 1"/>
-          <p:cNvSpPr txBox="1"/>
+          <p:cNvPr id="2" name="Rectangle 1"/>
+          <p:cNvSpPr/>
           <p:nvPr/>
         </p:nvSpPr>
         <p:spPr>
-          <a:xfrm flipH="1">
-            <a:off x="4235162" y="1950098"/>
-            <a:ext cx="1493833" cy="369332"/>
+          <a:xfrm>
+            <a:off x="4904913" y="158821"/>
+            <a:ext cx="2494144" cy="923330"/>
           </a:xfrm>
           <a:prstGeom prst="rect">
             <a:avLst/>
@@ -5308,29 +6343,289 @@
           <a:noFill/>
         </p:spPr>
         <p:txBody>
-          <a:bodyPr wrap="square" rtlCol="0">
+          <a:bodyPr wrap="none" lIns="91440" tIns="45720" rIns="91440" bIns="45720">
             <a:spAutoFit/>
           </a:bodyPr>
           <a:lstStyle/>
           <a:p>
-            <a:r>
-              <a:rPr lang="en-IN" dirty="0" err="1" smtClean="0"/>
-              <a:t>Elasticsearch</a:t>
-            </a:r>
-            <a:endParaRPr lang="en-IN" dirty="0"/>
+            <a:pPr algn="ctr"/>
+            <a:r>
+              <a:rPr lang="en-US" sz="5400" b="1" cap="none" spc="0" dirty="0" smtClean="0">
+                <a:ln w="12700">
+                  <a:solidFill>
+                    <a:schemeClr val="accent1"/>
+                  </a:solidFill>
+                  <a:prstDash val="solid"/>
+                </a:ln>
+                <a:pattFill prst="pct50">
+                  <a:fgClr>
+                    <a:schemeClr val="accent1"/>
+                  </a:fgClr>
+                  <a:bgClr>
+                    <a:schemeClr val="accent1">
+                      <a:lumMod val="20000"/>
+                      <a:lumOff val="80000"/>
+                    </a:schemeClr>
+                  </a:bgClr>
+                </a:pattFill>
+                <a:effectLst>
+                  <a:outerShdw dist="38100" dir="2640000" algn="bl" rotWithShape="0">
+                    <a:schemeClr val="accent1"/>
+                  </a:outerShdw>
+                </a:effectLst>
+              </a:rPr>
+              <a:t>RASA AI</a:t>
+            </a:r>
+            <a:endParaRPr lang="en-US" sz="5400" b="1" cap="none" spc="0" dirty="0">
+              <a:ln w="12700">
+                <a:solidFill>
+                  <a:schemeClr val="accent1"/>
+                </a:solidFill>
+                <a:prstDash val="solid"/>
+              </a:ln>
+              <a:pattFill prst="pct50">
+                <a:fgClr>
+                  <a:schemeClr val="accent1"/>
+                </a:fgClr>
+                <a:bgClr>
+                  <a:schemeClr val="accent1">
+                    <a:lumMod val="20000"/>
+                    <a:lumOff val="80000"/>
+                  </a:schemeClr>
+                </a:bgClr>
+              </a:pattFill>
+              <a:effectLst>
+                <a:outerShdw dist="38100" dir="2640000" algn="bl" rotWithShape="0">
+                  <a:schemeClr val="accent1"/>
+                </a:outerShdw>
+              </a:effectLst>
+            </a:endParaRPr>
+          </a:p>
+        </p:txBody>
+      </p:sp>
+      <p:sp>
+        <p:nvSpPr>
+          <p:cNvPr id="3" name="TextBox 2"/>
+          <p:cNvSpPr txBox="1"/>
+          <p:nvPr/>
+        </p:nvSpPr>
+        <p:spPr>
+          <a:xfrm>
+            <a:off x="2409891" y="1479819"/>
+            <a:ext cx="2109873" cy="707886"/>
+          </a:xfrm>
+          <a:prstGeom prst="rect">
+            <a:avLst/>
+          </a:prstGeom>
+          <a:noFill/>
+        </p:spPr>
+        <p:txBody>
+          <a:bodyPr wrap="none" rtlCol="0">
+            <a:spAutoFit/>
+          </a:bodyPr>
+          <a:lstStyle/>
+          <a:p>
+            <a:r>
+              <a:rPr lang="en-IN" sz="4000" b="1" dirty="0" smtClean="0"/>
+              <a:t>Pipelines</a:t>
+            </a:r>
+            <a:endParaRPr lang="en-IN" sz="4000" b="1" dirty="0"/>
+          </a:p>
+        </p:txBody>
+      </p:sp>
+      <p:sp>
+        <p:nvSpPr>
+          <p:cNvPr id="4" name="TextBox 3"/>
+          <p:cNvSpPr txBox="1"/>
+          <p:nvPr/>
+        </p:nvSpPr>
+        <p:spPr>
+          <a:xfrm>
+            <a:off x="7578932" y="1479819"/>
+            <a:ext cx="1782604" cy="707886"/>
+          </a:xfrm>
+          <a:prstGeom prst="rect">
+            <a:avLst/>
+          </a:prstGeom>
+          <a:noFill/>
+        </p:spPr>
+        <p:txBody>
+          <a:bodyPr wrap="none" rtlCol="0">
+            <a:spAutoFit/>
+          </a:bodyPr>
+          <a:lstStyle/>
+          <a:p>
+            <a:r>
+              <a:rPr lang="en-IN" sz="4000" b="1" dirty="0" smtClean="0"/>
+              <a:t>Policies</a:t>
+            </a:r>
+            <a:endParaRPr lang="en-IN" sz="4000" b="1" dirty="0"/>
+          </a:p>
+        </p:txBody>
+      </p:sp>
+      <p:sp>
+        <p:nvSpPr>
+          <p:cNvPr id="5" name="TextBox 4"/>
+          <p:cNvSpPr txBox="1"/>
+          <p:nvPr/>
+        </p:nvSpPr>
+        <p:spPr>
+          <a:xfrm>
+            <a:off x="1823664" y="2548451"/>
+            <a:ext cx="4196726" cy="2677656"/>
+          </a:xfrm>
+          <a:prstGeom prst="rect">
+            <a:avLst/>
+          </a:prstGeom>
+          <a:noFill/>
+        </p:spPr>
+        <p:txBody>
+          <a:bodyPr wrap="none" rtlCol="0">
+            <a:spAutoFit/>
+          </a:bodyPr>
+          <a:lstStyle/>
+          <a:p>
+            <a:pPr marL="285750" indent="-285750">
+              <a:buFont typeface="Arial" panose="020B0604020202020204" pitchFamily="34" charset="0"/>
+              <a:buChar char="•"/>
+            </a:pPr>
+            <a:r>
+              <a:rPr lang="en-IN" sz="2800" dirty="0" smtClean="0"/>
+              <a:t>WhitespaceTokenizer</a:t>
+            </a:r>
+          </a:p>
+          <a:p>
+            <a:pPr marL="285750" indent="-285750">
+              <a:buFont typeface="Arial" panose="020B0604020202020204" pitchFamily="34" charset="0"/>
+              <a:buChar char="•"/>
+            </a:pPr>
+            <a:r>
+              <a:rPr lang="en-IN" sz="2800" dirty="0" smtClean="0"/>
+              <a:t>RegexFeaturizer</a:t>
+            </a:r>
+          </a:p>
+          <a:p>
+            <a:pPr marL="285750" indent="-285750">
+              <a:buFont typeface="Arial" panose="020B0604020202020204" pitchFamily="34" charset="0"/>
+              <a:buChar char="•"/>
+            </a:pPr>
+            <a:r>
+              <a:rPr lang="en-IN" sz="2800" dirty="0"/>
+              <a:t>LexicalSyntacticFeaturizer</a:t>
+            </a:r>
+          </a:p>
+          <a:p>
+            <a:pPr marL="285750" indent="-285750">
+              <a:buFont typeface="Arial" panose="020B0604020202020204" pitchFamily="34" charset="0"/>
+              <a:buChar char="•"/>
+            </a:pPr>
+            <a:r>
+              <a:rPr lang="en-IN" sz="2800" dirty="0" smtClean="0"/>
+              <a:t>CountVectorsFeaturizer</a:t>
+            </a:r>
+          </a:p>
+          <a:p>
+            <a:pPr marL="285750" indent="-285750">
+              <a:buFont typeface="Arial" panose="020B0604020202020204" pitchFamily="34" charset="0"/>
+              <a:buChar char="•"/>
+            </a:pPr>
+            <a:r>
+              <a:rPr lang="en-IN" sz="2800" dirty="0" smtClean="0"/>
+              <a:t>DIETClassifier</a:t>
+            </a:r>
+          </a:p>
+          <a:p>
+            <a:pPr marL="285750" indent="-285750">
+              <a:buFont typeface="Arial" panose="020B0604020202020204" pitchFamily="34" charset="0"/>
+              <a:buChar char="•"/>
+            </a:pPr>
+            <a:r>
+              <a:rPr lang="en-IN" sz="2800" dirty="0"/>
+              <a:t>FallbackClassifier</a:t>
+            </a:r>
+          </a:p>
+        </p:txBody>
+      </p:sp>
+      <p:sp>
+        <p:nvSpPr>
+          <p:cNvPr id="6" name="TextBox 5"/>
+          <p:cNvSpPr txBox="1"/>
+          <p:nvPr/>
+        </p:nvSpPr>
+        <p:spPr>
+          <a:xfrm>
+            <a:off x="7025014" y="2548451"/>
+            <a:ext cx="4032771" cy="1815882"/>
+          </a:xfrm>
+          <a:prstGeom prst="rect">
+            <a:avLst/>
+          </a:prstGeom>
+          <a:noFill/>
+        </p:spPr>
+        <p:txBody>
+          <a:bodyPr wrap="none" rtlCol="0">
+            <a:spAutoFit/>
+          </a:bodyPr>
+          <a:lstStyle/>
+          <a:p>
+            <a:pPr marL="285750" indent="-285750">
+              <a:buFont typeface="Arial" panose="020B0604020202020204" pitchFamily="34" charset="0"/>
+              <a:buChar char="•"/>
+            </a:pPr>
+            <a:r>
+              <a:rPr lang="en-IN" sz="2800" dirty="0" smtClean="0"/>
+              <a:t>TEDPolicy</a:t>
+            </a:r>
+          </a:p>
+          <a:p>
+            <a:pPr marL="285750" indent="-285750">
+              <a:buFont typeface="Arial" panose="020B0604020202020204" pitchFamily="34" charset="0"/>
+              <a:buChar char="•"/>
+            </a:pPr>
+            <a:r>
+              <a:rPr lang="en-IN" sz="2800" dirty="0" smtClean="0"/>
+              <a:t>Memoization Policy</a:t>
+            </a:r>
+          </a:p>
+          <a:p>
+            <a:pPr marL="285750" indent="-285750">
+              <a:buFont typeface="Arial" panose="020B0604020202020204" pitchFamily="34" charset="0"/>
+              <a:buChar char="•"/>
+            </a:pPr>
+            <a:r>
+              <a:rPr lang="en-IN" sz="2800" dirty="0" smtClean="0"/>
+              <a:t>UnexpecTEDIntentPolicy</a:t>
+            </a:r>
+          </a:p>
+          <a:p>
+            <a:pPr marL="285750" indent="-285750">
+              <a:buFont typeface="Arial" panose="020B0604020202020204" pitchFamily="34" charset="0"/>
+              <a:buChar char="•"/>
+            </a:pPr>
+            <a:r>
+              <a:rPr lang="en-IN" sz="2800" dirty="0" smtClean="0"/>
+              <a:t>RulePolicy</a:t>
+            </a:r>
           </a:p>
         </p:txBody>
       </p:sp>
     </p:spTree>
     <p:extLst>
       <p:ext uri="{BB962C8B-B14F-4D97-AF65-F5344CB8AC3E}">
-        <p14:creationId xmlns:p14="http://schemas.microsoft.com/office/powerpoint/2010/main" val="2522240048"/>
+        <p14:creationId xmlns:p14="http://schemas.microsoft.com/office/powerpoint/2010/main" val="2553998440"/>
       </p:ext>
     </p:extLst>
   </p:cSld>
   <p:clrMapOvr>
     <a:masterClrMapping/>
   </p:clrMapOvr>
+  <p:timing>
+    <p:tnLst>
+      <p:par>
+        <p:cTn id="1" dur="indefinite" restart="never" nodeType="tmRoot"/>
+      </p:par>
+    </p:tnLst>
+  </p:timing>
 </p:sld>
 </file>
 
@@ -5351,16 +6646,46 @@
           <a:chExt cx="0" cy="0"/>
         </a:xfrm>
       </p:grpSpPr>
-      <p:sp>
-        <p:nvSpPr>
-          <p:cNvPr id="2" name="TextBox 1"/>
+      <p:pic>
+        <p:nvPicPr>
+          <p:cNvPr id="3" name="Picture 2"/>
+          <p:cNvPicPr>
+            <a:picLocks noChangeAspect="1"/>
+          </p:cNvPicPr>
+          <p:nvPr/>
+        </p:nvPicPr>
+        <p:blipFill>
+          <a:blip r:embed="rId2" cstate="print">
+            <a:extLst>
+              <a:ext uri="{28A0092B-C50C-407E-A947-70E740481C1C}">
+                <a14:useLocalDpi xmlns:a14="http://schemas.microsoft.com/office/drawing/2010/main" val="0"/>
+              </a:ext>
+            </a:extLst>
+          </a:blip>
+          <a:stretch>
+            <a:fillRect/>
+          </a:stretch>
+        </p:blipFill>
+        <p:spPr>
+          <a:xfrm>
+            <a:off x="6627074" y="1651517"/>
+            <a:ext cx="5312805" cy="1166327"/>
+          </a:xfrm>
+          <a:prstGeom prst="rect">
+            <a:avLst/>
+          </a:prstGeom>
+        </p:spPr>
+      </p:pic>
+      <p:sp>
+        <p:nvSpPr>
+          <p:cNvPr id="4" name="TextBox 3"/>
           <p:cNvSpPr txBox="1"/>
           <p:nvPr/>
         </p:nvSpPr>
         <p:spPr>
           <a:xfrm>
-            <a:off x="3984171" y="2015412"/>
-            <a:ext cx="1586205" cy="369332"/>
+            <a:off x="223936" y="1423031"/>
+            <a:ext cx="6662056" cy="2169825"/>
           </a:xfrm>
           <a:prstGeom prst="rect">
             <a:avLst/>
@@ -5373,24 +6698,166 @@
           </a:bodyPr>
           <a:lstStyle/>
           <a:p>
-            <a:r>
-              <a:rPr lang="en-IN" dirty="0" smtClean="0"/>
-              <a:t>ES design</a:t>
-            </a:r>
-            <a:endParaRPr lang="en-IN" dirty="0"/>
-          </a:p>
-        </p:txBody>
-      </p:sp>
+            <a:pPr>
+              <a:lnSpc>
+                <a:spcPct val="150000"/>
+              </a:lnSpc>
+            </a:pPr>
+            <a:r>
+              <a:rPr lang="en-US" dirty="0" err="1"/>
+              <a:t>Elasticsearch</a:t>
+            </a:r>
+            <a:r>
+              <a:rPr lang="en-US" dirty="0"/>
+              <a:t> is an open-source search and analytics engine that is built on top of Apache </a:t>
+            </a:r>
+            <a:r>
+              <a:rPr lang="en-US" dirty="0" err="1"/>
+              <a:t>Lucene</a:t>
+            </a:r>
+            <a:r>
+              <a:rPr lang="en-US" dirty="0"/>
+              <a:t>. </a:t>
+            </a:r>
+            <a:endParaRPr lang="en-US" dirty="0" smtClean="0"/>
+          </a:p>
+          <a:p>
+            <a:pPr>
+              <a:lnSpc>
+                <a:spcPct val="150000"/>
+              </a:lnSpc>
+            </a:pPr>
+            <a:r>
+              <a:rPr lang="en-US" dirty="0" smtClean="0"/>
+              <a:t>It </a:t>
+            </a:r>
+            <a:r>
+              <a:rPr lang="en-US" dirty="0"/>
+              <a:t>allows users to store, search, and analyze large volumes of data in real-time. </a:t>
+            </a:r>
+            <a:r>
+              <a:rPr lang="en-US" dirty="0" err="1"/>
+              <a:t>Elasticsearch</a:t>
+            </a:r>
+            <a:r>
+              <a:rPr lang="en-US" dirty="0"/>
+              <a:t> is scalable, fault-tolerant, and accessible through APIs and web </a:t>
+            </a:r>
+            <a:r>
+              <a:rPr lang="en-US" dirty="0" smtClean="0"/>
+              <a:t>interfaces.</a:t>
+            </a:r>
+          </a:p>
+        </p:txBody>
+      </p:sp>
+      <p:sp>
+        <p:nvSpPr>
+          <p:cNvPr id="5" name="Rectangle 4"/>
+          <p:cNvSpPr/>
+          <p:nvPr/>
+        </p:nvSpPr>
+        <p:spPr>
+          <a:xfrm>
+            <a:off x="3835819" y="177483"/>
+            <a:ext cx="4800288" cy="923330"/>
+          </a:xfrm>
+          <a:prstGeom prst="rect">
+            <a:avLst/>
+          </a:prstGeom>
+          <a:noFill/>
+        </p:spPr>
+        <p:txBody>
+          <a:bodyPr wrap="none" lIns="91440" tIns="45720" rIns="91440" bIns="45720">
+            <a:spAutoFit/>
+          </a:bodyPr>
+          <a:lstStyle/>
+          <a:p>
+            <a:pPr algn="ctr"/>
+            <a:r>
+              <a:rPr lang="en-US" sz="5400" b="1" cap="none" spc="50" dirty="0" smtClean="0">
+                <a:ln w="0"/>
+                <a:solidFill>
+                  <a:schemeClr val="accent1">
+                    <a:lumMod val="60000"/>
+                    <a:lumOff val="40000"/>
+                  </a:schemeClr>
+                </a:solidFill>
+                <a:effectLst>
+                  <a:innerShdw blurRad="63500" dist="50800" dir="13500000">
+                    <a:srgbClr val="000000">
+                      <a:alpha val="50000"/>
+                    </a:srgbClr>
+                  </a:innerShdw>
+                </a:effectLst>
+              </a:rPr>
+              <a:t>ELASTICSEARCH</a:t>
+            </a:r>
+            <a:endParaRPr lang="en-US" sz="5400" b="1" cap="none" spc="50" dirty="0">
+              <a:ln w="0"/>
+              <a:solidFill>
+                <a:schemeClr val="accent1">
+                  <a:lumMod val="60000"/>
+                  <a:lumOff val="40000"/>
+                </a:schemeClr>
+              </a:solidFill>
+              <a:effectLst>
+                <a:innerShdw blurRad="63500" dist="50800" dir="13500000">
+                  <a:srgbClr val="000000">
+                    <a:alpha val="50000"/>
+                  </a:srgbClr>
+                </a:innerShdw>
+              </a:effectLst>
+            </a:endParaRPr>
+          </a:p>
+        </p:txBody>
+      </p:sp>
+      <p:pic>
+        <p:nvPicPr>
+          <p:cNvPr id="6" name="Picture 5"/>
+          <p:cNvPicPr>
+            <a:picLocks noChangeAspect="1"/>
+          </p:cNvPicPr>
+          <p:nvPr/>
+        </p:nvPicPr>
+        <p:blipFill>
+          <a:blip r:embed="rId3">
+            <a:extLst>
+              <a:ext uri="{28A0092B-C50C-407E-A947-70E740481C1C}">
+                <a14:useLocalDpi xmlns:a14="http://schemas.microsoft.com/office/drawing/2010/main" val="0"/>
+              </a:ext>
+            </a:extLst>
+          </a:blip>
+          <a:stretch>
+            <a:fillRect/>
+          </a:stretch>
+        </p:blipFill>
+        <p:spPr>
+          <a:xfrm>
+            <a:off x="3835819" y="3130616"/>
+            <a:ext cx="7415577" cy="3139555"/>
+          </a:xfrm>
+          <a:prstGeom prst="rect">
+            <a:avLst/>
+          </a:prstGeom>
+        </p:spPr>
+      </p:pic>
     </p:spTree>
     <p:extLst>
       <p:ext uri="{BB962C8B-B14F-4D97-AF65-F5344CB8AC3E}">
-        <p14:creationId xmlns:p14="http://schemas.microsoft.com/office/powerpoint/2010/main" val="1301351153"/>
+        <p14:creationId xmlns:p14="http://schemas.microsoft.com/office/powerpoint/2010/main" val="2522240048"/>
       </p:ext>
     </p:extLst>
   </p:cSld>
   <p:clrMapOvr>
     <a:masterClrMapping/>
   </p:clrMapOvr>
+  <p:timing>
+    <p:tnLst>
+      <p:par>
+        <p:cTn id="1" dur="indefinite" restart="never" nodeType="tmRoot"/>
+      </p:par>
+    </p:tnLst>
+  </p:timing>
 </p:sld>
 </file>
 
